--- a/TUT/ip.hwp.communication/hibi/doc/Datasheet/hibi_v3_perf.pptx
+++ b/TUT/ip.hwp.communication/hibi/doc/Datasheet/hibi_v3_perf.pptx
@@ -5,10 +5,10 @@
     <p:sldMasterId id="2147483675" r:id="rId1"/>
   </p:sldMasterIdLst>
   <p:notesMasterIdLst>
-    <p:notesMasterId r:id="rId10"/>
+    <p:notesMasterId r:id="rId11"/>
   </p:notesMasterIdLst>
   <p:handoutMasterIdLst>
-    <p:handoutMasterId r:id="rId11"/>
+    <p:handoutMasterId r:id="rId12"/>
   </p:handoutMasterIdLst>
   <p:sldIdLst>
     <p:sldId id="305" r:id="rId2"/>
@@ -19,6 +19,7 @@
     <p:sldId id="341" r:id="rId7"/>
     <p:sldId id="340" r:id="rId8"/>
     <p:sldId id="339" r:id="rId9"/>
+    <p:sldId id="342" r:id="rId10"/>
   </p:sldIdLst>
   <p:sldSz cx="9906000" cy="6858000" type="A4"/>
   <p:notesSz cx="7315200" cy="9601200"/>
@@ -150,6 +151,414 @@
 </p:presentation>
 </file>
 
+<file path=ppt/charts/chart1.xml><?xml version="1.0" encoding="utf-8"?>
+<c:chartSpace xmlns:c="http://schemas.openxmlformats.org/drawingml/2006/chart" xmlns:a="http://schemas.openxmlformats.org/drawingml/2006/main" xmlns:r="http://schemas.openxmlformats.org/officeDocument/2006/relationships">
+  <c:lang val="en-US"/>
+  <c:chart>
+    <c:title>
+      <c:layout/>
+    </c:title>
+    <c:plotArea>
+      <c:layout/>
+      <c:scatterChart>
+        <c:scatterStyle val="lineMarker"/>
+        <c:ser>
+          <c:idx val="1"/>
+          <c:order val="0"/>
+          <c:tx>
+            <c:v>HIBI transfer time</c:v>
+          </c:tx>
+          <c:spPr>
+            <a:ln>
+              <a:solidFill>
+                <a:schemeClr val="accent1"/>
+              </a:solidFill>
+            </a:ln>
+          </c:spPr>
+          <c:marker>
+            <c:symbol val="diamond"/>
+            <c:size val="6"/>
+            <c:spPr>
+              <a:solidFill>
+                <a:schemeClr val="tx2">
+                  <a:lumMod val="60000"/>
+                  <a:lumOff val="40000"/>
+                </a:schemeClr>
+              </a:solidFill>
+              <a:ln>
+                <a:solidFill>
+                  <a:schemeClr val="tx2">
+                    <a:lumMod val="60000"/>
+                    <a:lumOff val="40000"/>
+                  </a:schemeClr>
+                </a:solidFill>
+              </a:ln>
+            </c:spPr>
+          </c:marker>
+          <c:xVal>
+            <c:numRef>
+              <c:f>Sheet1!$C$6:$C$15</c:f>
+              <c:numCache>
+                <c:formatCode>General</c:formatCode>
+                <c:ptCount val="10"/>
+                <c:pt idx="0">
+                  <c:v>4</c:v>
+                </c:pt>
+                <c:pt idx="1">
+                  <c:v>5</c:v>
+                </c:pt>
+                <c:pt idx="2">
+                  <c:v>6</c:v>
+                </c:pt>
+                <c:pt idx="3">
+                  <c:v>7</c:v>
+                </c:pt>
+                <c:pt idx="4">
+                  <c:v>8</c:v>
+                </c:pt>
+                <c:pt idx="5">
+                  <c:v>9</c:v>
+                </c:pt>
+                <c:pt idx="6">
+                  <c:v>10</c:v>
+                </c:pt>
+                <c:pt idx="7">
+                  <c:v>11</c:v>
+                </c:pt>
+                <c:pt idx="8">
+                  <c:v>64</c:v>
+                </c:pt>
+                <c:pt idx="9">
+                  <c:v>256</c:v>
+                </c:pt>
+              </c:numCache>
+            </c:numRef>
+          </c:xVal>
+          <c:yVal>
+            <c:numRef>
+              <c:f>Sheet1!$E$6:$E$15</c:f>
+              <c:numCache>
+                <c:formatCode>General</c:formatCode>
+                <c:ptCount val="10"/>
+                <c:pt idx="0">
+                  <c:v>1847</c:v>
+                </c:pt>
+                <c:pt idx="1">
+                  <c:v>1600</c:v>
+                </c:pt>
+                <c:pt idx="2">
+                  <c:v>1185</c:v>
+                </c:pt>
+                <c:pt idx="3">
+                  <c:v>1168</c:v>
+                </c:pt>
+                <c:pt idx="4">
+                  <c:v>1181</c:v>
+                </c:pt>
+                <c:pt idx="5">
+                  <c:v>1180</c:v>
+                </c:pt>
+                <c:pt idx="6">
+                  <c:v>1167</c:v>
+                </c:pt>
+                <c:pt idx="7">
+                  <c:v>1175</c:v>
+                </c:pt>
+                <c:pt idx="8">
+                  <c:v>1114</c:v>
+                </c:pt>
+                <c:pt idx="9">
+                  <c:v>1077</c:v>
+                </c:pt>
+              </c:numCache>
+            </c:numRef>
+          </c:yVal>
+        </c:ser>
+        <c:axId val="64647552"/>
+        <c:axId val="64658432"/>
+      </c:scatterChart>
+      <c:valAx>
+        <c:axId val="64647552"/>
+        <c:scaling>
+          <c:logBase val="10"/>
+          <c:orientation val="minMax"/>
+        </c:scaling>
+        <c:axPos val="b"/>
+        <c:title>
+          <c:tx>
+            <c:rich>
+              <a:bodyPr/>
+              <a:lstStyle/>
+              <a:p>
+                <a:pPr>
+                  <a:defRPr/>
+                </a:pPr>
+                <a:r>
+                  <a:rPr lang="en-US"/>
+                  <a:t>Wrapper fifo size / words</a:t>
+                </a:r>
+              </a:p>
+            </c:rich>
+          </c:tx>
+          <c:layout/>
+        </c:title>
+        <c:numFmt formatCode="General" sourceLinked="1"/>
+        <c:tickLblPos val="nextTo"/>
+        <c:crossAx val="64658432"/>
+        <c:crosses val="autoZero"/>
+        <c:crossBetween val="midCat"/>
+      </c:valAx>
+      <c:valAx>
+        <c:axId val="64658432"/>
+        <c:scaling>
+          <c:orientation val="minMax"/>
+        </c:scaling>
+        <c:axPos val="l"/>
+        <c:majorGridlines/>
+        <c:title>
+          <c:tx>
+            <c:rich>
+              <a:bodyPr rot="-5400000" vert="horz"/>
+              <a:lstStyle/>
+              <a:p>
+                <a:pPr>
+                  <a:defRPr/>
+                </a:pPr>
+                <a:r>
+                  <a:rPr lang="en-US"/>
+                  <a:t>Transfer</a:t>
+                </a:r>
+                <a:r>
+                  <a:rPr lang="en-US" baseline="0"/>
+                  <a:t> time / cycles</a:t>
+                </a:r>
+                <a:endParaRPr lang="en-US"/>
+              </a:p>
+            </c:rich>
+          </c:tx>
+          <c:layout/>
+        </c:title>
+        <c:numFmt formatCode="General" sourceLinked="1"/>
+        <c:tickLblPos val="nextTo"/>
+        <c:crossAx val="64647552"/>
+        <c:crosses val="autoZero"/>
+        <c:crossBetween val="midCat"/>
+      </c:valAx>
+    </c:plotArea>
+    <c:legend>
+      <c:legendPos val="r"/>
+      <c:layout/>
+    </c:legend>
+    <c:plotVisOnly val="1"/>
+  </c:chart>
+  <c:externalData r:id="rId1"/>
+</c:chartSpace>
+</file>
+
+<file path=ppt/charts/chart2.xml><?xml version="1.0" encoding="utf-8"?>
+<c:chartSpace xmlns:c="http://schemas.openxmlformats.org/drawingml/2006/chart" xmlns:a="http://schemas.openxmlformats.org/drawingml/2006/main" xmlns:r="http://schemas.openxmlformats.org/officeDocument/2006/relationships">
+  <c:lang val="en-US"/>
+  <c:chart>
+    <c:title>
+      <c:layout/>
+    </c:title>
+    <c:plotArea>
+      <c:layout/>
+      <c:scatterChart>
+        <c:scatterStyle val="lineMarker"/>
+        <c:ser>
+          <c:idx val="1"/>
+          <c:order val="0"/>
+          <c:tx>
+            <c:v>HIBI throughput</c:v>
+          </c:tx>
+          <c:spPr>
+            <a:ln>
+              <a:solidFill>
+                <a:schemeClr val="accent1"/>
+              </a:solidFill>
+            </a:ln>
+          </c:spPr>
+          <c:marker>
+            <c:symbol val="diamond"/>
+            <c:size val="6"/>
+            <c:spPr>
+              <a:solidFill>
+                <a:schemeClr val="tx2">
+                  <a:lumMod val="60000"/>
+                  <a:lumOff val="40000"/>
+                </a:schemeClr>
+              </a:solidFill>
+              <a:ln>
+                <a:solidFill>
+                  <a:schemeClr val="tx2">
+                    <a:lumMod val="60000"/>
+                    <a:lumOff val="40000"/>
+                  </a:schemeClr>
+                </a:solidFill>
+              </a:ln>
+            </c:spPr>
+          </c:marker>
+          <c:xVal>
+            <c:numRef>
+              <c:f>Sheet1!$C$6:$C$15</c:f>
+              <c:numCache>
+                <c:formatCode>General</c:formatCode>
+                <c:ptCount val="10"/>
+                <c:pt idx="0">
+                  <c:v>4</c:v>
+                </c:pt>
+                <c:pt idx="1">
+                  <c:v>5</c:v>
+                </c:pt>
+                <c:pt idx="2">
+                  <c:v>6</c:v>
+                </c:pt>
+                <c:pt idx="3">
+                  <c:v>7</c:v>
+                </c:pt>
+                <c:pt idx="4">
+                  <c:v>8</c:v>
+                </c:pt>
+                <c:pt idx="5">
+                  <c:v>9</c:v>
+                </c:pt>
+                <c:pt idx="6">
+                  <c:v>10</c:v>
+                </c:pt>
+                <c:pt idx="7">
+                  <c:v>11</c:v>
+                </c:pt>
+                <c:pt idx="8">
+                  <c:v>64</c:v>
+                </c:pt>
+                <c:pt idx="9">
+                  <c:v>256</c:v>
+                </c:pt>
+              </c:numCache>
+            </c:numRef>
+          </c:xVal>
+          <c:yVal>
+            <c:numRef>
+              <c:f>Sheet1!$G$6:$G$15</c:f>
+              <c:numCache>
+                <c:formatCode>#,##0</c:formatCode>
+                <c:ptCount val="10"/>
+                <c:pt idx="0">
+                  <c:v>443530048.7276665</c:v>
+                </c:pt>
+                <c:pt idx="1">
+                  <c:v>512000000</c:v>
+                </c:pt>
+                <c:pt idx="2">
+                  <c:v>691308016.87763715</c:v>
+                </c:pt>
+                <c:pt idx="3">
+                  <c:v>701369863.01369858</c:v>
+                </c:pt>
+                <c:pt idx="4">
+                  <c:v>693649449.61896694</c:v>
+                </c:pt>
+                <c:pt idx="5">
+                  <c:v>694237288.13559318</c:v>
+                </c:pt>
+                <c:pt idx="6">
+                  <c:v>701970865.46700943</c:v>
+                </c:pt>
+                <c:pt idx="7">
+                  <c:v>697191489.36170208</c:v>
+                </c:pt>
+                <c:pt idx="8">
+                  <c:v>735368043.08797133</c:v>
+                </c:pt>
+                <c:pt idx="9">
+                  <c:v>760631383.47260904</c:v>
+                </c:pt>
+              </c:numCache>
+            </c:numRef>
+          </c:yVal>
+        </c:ser>
+        <c:axId val="77067776"/>
+        <c:axId val="77439360"/>
+      </c:scatterChart>
+      <c:valAx>
+        <c:axId val="77067776"/>
+        <c:scaling>
+          <c:logBase val="10"/>
+          <c:orientation val="minMax"/>
+        </c:scaling>
+        <c:axPos val="b"/>
+        <c:title>
+          <c:tx>
+            <c:rich>
+              <a:bodyPr/>
+              <a:lstStyle/>
+              <a:p>
+                <a:pPr>
+                  <a:defRPr/>
+                </a:pPr>
+                <a:r>
+                  <a:rPr lang="en-US"/>
+                  <a:t>Wrapper fifo size / words</a:t>
+                </a:r>
+              </a:p>
+            </c:rich>
+          </c:tx>
+          <c:layout/>
+        </c:title>
+        <c:numFmt formatCode="General" sourceLinked="1"/>
+        <c:tickLblPos val="nextTo"/>
+        <c:crossAx val="77439360"/>
+        <c:crosses val="autoZero"/>
+        <c:crossBetween val="midCat"/>
+      </c:valAx>
+      <c:valAx>
+        <c:axId val="77439360"/>
+        <c:scaling>
+          <c:orientation val="minMax"/>
+        </c:scaling>
+        <c:axPos val="l"/>
+        <c:majorGridlines/>
+        <c:title>
+          <c:tx>
+            <c:rich>
+              <a:bodyPr rot="-5400000" vert="horz"/>
+              <a:lstStyle/>
+              <a:p>
+                <a:pPr>
+                  <a:defRPr/>
+                </a:pPr>
+                <a:r>
+                  <a:rPr lang="en-US"/>
+                  <a:t>Throughput</a:t>
+                </a:r>
+                <a:r>
+                  <a:rPr lang="en-US" baseline="0"/>
+                  <a:t> / bytes/s</a:t>
+                </a:r>
+                <a:endParaRPr lang="en-US"/>
+              </a:p>
+            </c:rich>
+          </c:tx>
+          <c:layout/>
+        </c:title>
+        <c:numFmt formatCode="#,##0" sourceLinked="1"/>
+        <c:tickLblPos val="nextTo"/>
+        <c:crossAx val="77067776"/>
+        <c:crosses val="autoZero"/>
+        <c:crossBetween val="midCat"/>
+      </c:valAx>
+    </c:plotArea>
+    <c:legend>
+      <c:legendPos val="r"/>
+      <c:layout/>
+    </c:legend>
+    <c:plotVisOnly val="1"/>
+  </c:chart>
+  <c:externalData r:id="rId1"/>
+</c:chartSpace>
+</file>
+
 <file path=ppt/handoutMasters/handoutMaster1.xml><?xml version="1.0" encoding="utf-8"?>
 <p:handoutMaster xmlns:a="http://schemas.openxmlformats.org/drawingml/2006/main" xmlns:r="http://schemas.openxmlformats.org/officeDocument/2006/relationships" xmlns:p="http://schemas.openxmlformats.org/presentationml/2006/main">
   <p:cSld>
@@ -233,7 +642,7 @@
             <a:fld id="{BA9E5E55-40DD-4D5E-86A5-EC68D939BA2C}" type="datetimeFigureOut">
               <a:rPr lang="en-US" smtClean="0"/>
               <a:pPr/>
-              <a:t>11/7/2011</a:t>
+              <a:t>11/9/2011</a:t>
             </a:fld>
             <a:endParaRPr lang="en-GB"/>
           </a:p>
@@ -395,7 +804,7 @@
             <a:fld id="{3FDD500C-A508-43E8-8008-21331FC37330}" type="datetimeFigureOut">
               <a:rPr lang="en-US" smtClean="0"/>
               <a:pPr/>
-              <a:t>11/7/2011</a:t>
+              <a:t>11/9/2011</a:t>
             </a:fld>
             <a:endParaRPr lang="en-GB"/>
           </a:p>
@@ -14982,6 +15391,150 @@
           </a:p>
         </p:txBody>
       </p:sp>
+    </p:spTree>
+  </p:cSld>
+  <p:clrMapOvr>
+    <a:masterClrMapping/>
+  </p:clrMapOvr>
+  <p:transition>
+    <p:zoom/>
+  </p:transition>
+</p:sld>
+</file>
+
+<file path=ppt/slides/slide9.xml><?xml version="1.0" encoding="utf-8"?>
+<p:sld xmlns:a="http://schemas.openxmlformats.org/drawingml/2006/main" xmlns:r="http://schemas.openxmlformats.org/officeDocument/2006/relationships" xmlns:p="http://schemas.openxmlformats.org/presentationml/2006/main">
+  <p:cSld>
+    <p:spTree>
+      <p:nvGrpSpPr>
+        <p:cNvPr id="1" name=""/>
+        <p:cNvGrpSpPr/>
+        <p:nvPr/>
+      </p:nvGrpSpPr>
+      <p:grpSpPr>
+        <a:xfrm>
+          <a:off x="0" y="0"/>
+          <a:ext cx="0" cy="0"/>
+          <a:chOff x="0" y="0"/>
+          <a:chExt cx="0" cy="0"/>
+        </a:xfrm>
+      </p:grpSpPr>
+      <p:sp>
+        <p:nvSpPr>
+          <p:cNvPr id="5" name="Title 4"/>
+          <p:cNvSpPr>
+            <a:spLocks noGrp="1"/>
+          </p:cNvSpPr>
+          <p:nvPr>
+            <p:ph type="title"/>
+          </p:nvPr>
+        </p:nvSpPr>
+        <p:spPr>
+          <a:xfrm>
+            <a:off x="896013" y="188913"/>
+            <a:ext cx="8581760" cy="719807"/>
+          </a:xfrm>
+        </p:spPr>
+        <p:txBody>
+          <a:bodyPr/>
+          <a:lstStyle/>
+          <a:p>
+            <a:r>
+              <a:rPr lang="fi-FI" dirty="0" smtClean="0"/>
+              <a:t>HIBI v3 </a:t>
+            </a:r>
+            <a:r>
+              <a:rPr lang="fi-FI" dirty="0" err="1" smtClean="0"/>
+              <a:t>performance</a:t>
+            </a:r>
+            <a:endParaRPr lang="en-US" dirty="0"/>
+          </a:p>
+        </p:txBody>
+      </p:sp>
+      <p:sp>
+        <p:nvSpPr>
+          <p:cNvPr id="4" name="Slide Number Placeholder 3"/>
+          <p:cNvSpPr>
+            <a:spLocks noGrp="1"/>
+          </p:cNvSpPr>
+          <p:nvPr>
+            <p:ph type="sldNum" sz="quarter" idx="11"/>
+          </p:nvPr>
+        </p:nvSpPr>
+        <p:spPr/>
+        <p:txBody>
+          <a:bodyPr/>
+          <a:lstStyle/>
+          <a:p>
+            <a:fld id="{396A2528-BFCE-4DA1-8CA6-E7CCE78C7A79}" type="slidenum">
+              <a:rPr lang="fi-FI" smtClean="0"/>
+              <a:pPr/>
+              <a:t>9</a:t>
+            </a:fld>
+            <a:endParaRPr lang="fi-FI"/>
+          </a:p>
+        </p:txBody>
+      </p:sp>
+      <p:sp>
+        <p:nvSpPr>
+          <p:cNvPr id="6" name="TextBox 5"/>
+          <p:cNvSpPr txBox="1"/>
+          <p:nvPr/>
+        </p:nvSpPr>
+        <p:spPr>
+          <a:xfrm>
+            <a:off x="992560" y="1340768"/>
+            <a:ext cx="8136904" cy="4752528"/>
+          </a:xfrm>
+          <a:prstGeom prst="rect">
+            <a:avLst/>
+          </a:prstGeom>
+          <a:noFill/>
+        </p:spPr>
+        <p:txBody>
+          <a:bodyPr wrap="none" rtlCol="0">
+            <a:noAutofit/>
+          </a:bodyPr>
+          <a:lstStyle/>
+          <a:p>
+            <a:endParaRPr lang="en-US" dirty="0" smtClean="0">
+              <a:latin typeface="Calibri" pitchFamily="34" charset="0"/>
+            </a:endParaRPr>
+          </a:p>
+        </p:txBody>
+      </p:sp>
+      <p:graphicFrame>
+        <p:nvGraphicFramePr>
+          <p:cNvPr id="8" name="Chart 7"/>
+          <p:cNvGraphicFramePr/>
+          <p:nvPr/>
+        </p:nvGraphicFramePr>
+        <p:xfrm>
+          <a:off x="920552" y="1124744"/>
+          <a:ext cx="5543551" cy="2771775"/>
+        </p:xfrm>
+        <a:graphic>
+          <a:graphicData uri="http://schemas.openxmlformats.org/drawingml/2006/chart">
+            <c:chart xmlns:c="http://schemas.openxmlformats.org/drawingml/2006/chart" xmlns:r="http://schemas.openxmlformats.org/officeDocument/2006/relationships" r:id="rId2"/>
+          </a:graphicData>
+        </a:graphic>
+      </p:graphicFrame>
+      <p:graphicFrame>
+        <p:nvGraphicFramePr>
+          <p:cNvPr id="9" name="Chart 8"/>
+          <p:cNvGraphicFramePr/>
+          <p:nvPr/>
+        </p:nvGraphicFramePr>
+        <p:xfrm>
+          <a:off x="920552" y="3861048"/>
+          <a:ext cx="5543551" cy="2771775"/>
+        </p:xfrm>
+        <a:graphic>
+          <a:graphicData uri="http://schemas.openxmlformats.org/drawingml/2006/chart">
+            <c:chart xmlns:c="http://schemas.openxmlformats.org/drawingml/2006/chart" xmlns:r="http://schemas.openxmlformats.org/officeDocument/2006/relationships" r:id="rId3"/>
+          </a:graphicData>
+        </a:graphic>
+      </p:graphicFrame>
     </p:spTree>
   </p:cSld>
   <p:clrMapOvr>

--- a/TUT/ip.hwp.communication/hibi/doc/Datasheet/hibi_v3_perf.pptx
+++ b/TUT/ip.hwp.communication/hibi/doc/Datasheet/hibi_v3_perf.pptx
@@ -22,7 +22,7 @@
     <p:sldId id="342" r:id="rId10"/>
   </p:sldIdLst>
   <p:sldSz cx="9906000" cy="6858000" type="A4"/>
-  <p:notesSz cx="7315200" cy="9601200"/>
+  <p:notesSz cx="7034213" cy="9283700"/>
   <p:defaultTextStyle>
     <a:defPPr>
       <a:defRPr lang="en-US"/>
@@ -153,6 +153,7 @@
 
 <file path=ppt/charts/chart1.xml><?xml version="1.0" encoding="utf-8"?>
 <c:chartSpace xmlns:c="http://schemas.openxmlformats.org/drawingml/2006/chart" xmlns:a="http://schemas.openxmlformats.org/drawingml/2006/main" xmlns:r="http://schemas.openxmlformats.org/officeDocument/2006/relationships">
+  <c:date1904 val="1"/>
   <c:lang val="en-US"/>
   <c:chart>
     <c:title>
@@ -274,11 +275,11 @@
             </c:numRef>
           </c:yVal>
         </c:ser>
-        <c:axId val="64647552"/>
-        <c:axId val="64658432"/>
+        <c:axId val="61314944"/>
+        <c:axId val="61707392"/>
       </c:scatterChart>
       <c:valAx>
-        <c:axId val="64647552"/>
+        <c:axId val="61314944"/>
         <c:scaling>
           <c:logBase val="10"/>
           <c:orientation val="minMax"/>
@@ -304,12 +305,12 @@
         </c:title>
         <c:numFmt formatCode="General" sourceLinked="1"/>
         <c:tickLblPos val="nextTo"/>
-        <c:crossAx val="64658432"/>
+        <c:crossAx val="61707392"/>
         <c:crosses val="autoZero"/>
         <c:crossBetween val="midCat"/>
       </c:valAx>
       <c:valAx>
-        <c:axId val="64658432"/>
+        <c:axId val="61707392"/>
         <c:scaling>
           <c:orientation val="minMax"/>
         </c:scaling>
@@ -340,7 +341,7 @@
         </c:title>
         <c:numFmt formatCode="General" sourceLinked="1"/>
         <c:tickLblPos val="nextTo"/>
-        <c:crossAx val="64647552"/>
+        <c:crossAx val="61314944"/>
         <c:crosses val="autoZero"/>
         <c:crossBetween val="midCat"/>
       </c:valAx>
@@ -360,6 +361,21 @@
   <c:lang val="en-US"/>
   <c:chart>
     <c:title>
+      <c:tx>
+        <c:rich>
+          <a:bodyPr/>
+          <a:lstStyle/>
+          <a:p>
+            <a:pPr>
+              <a:defRPr/>
+            </a:pPr>
+            <a:r>
+              <a:rPr lang="en-US"/>
+              <a:t>HIBI throughput @ 200 MHz</a:t>
+            </a:r>
+          </a:p>
+        </c:rich>
+      </c:tx>
       <c:layout/>
     </c:title>
     <c:plotArea>
@@ -463,7 +479,7 @@
                   <c:v>694237288.13559318</c:v>
                 </c:pt>
                 <c:pt idx="6">
-                  <c:v>701970865.46700943</c:v>
+                  <c:v>701970865.46700907</c:v>
                 </c:pt>
                 <c:pt idx="7">
                   <c:v>697191489.36170208</c:v>
@@ -472,17 +488,17 @@
                   <c:v>735368043.08797133</c:v>
                 </c:pt>
                 <c:pt idx="9">
-                  <c:v>760631383.47260904</c:v>
+                  <c:v>760631383.47260892</c:v>
                 </c:pt>
               </c:numCache>
             </c:numRef>
           </c:yVal>
         </c:ser>
-        <c:axId val="77067776"/>
-        <c:axId val="77439360"/>
+        <c:axId val="61675392"/>
+        <c:axId val="61698432"/>
       </c:scatterChart>
       <c:valAx>
-        <c:axId val="77067776"/>
+        <c:axId val="61675392"/>
         <c:scaling>
           <c:logBase val="10"/>
           <c:orientation val="minMax"/>
@@ -508,12 +524,12 @@
         </c:title>
         <c:numFmt formatCode="General" sourceLinked="1"/>
         <c:tickLblPos val="nextTo"/>
-        <c:crossAx val="77439360"/>
+        <c:crossAx val="61698432"/>
         <c:crosses val="autoZero"/>
         <c:crossBetween val="midCat"/>
       </c:valAx>
       <c:valAx>
-        <c:axId val="77439360"/>
+        <c:axId val="61698432"/>
         <c:scaling>
           <c:orientation val="minMax"/>
         </c:scaling>
@@ -544,7 +560,7 @@
         </c:title>
         <c:numFmt formatCode="#,##0" sourceLinked="1"/>
         <c:tickLblPos val="nextTo"/>
-        <c:crossAx val="77067776"/>
+        <c:crossAx val="61675392"/>
         <c:crosses val="autoZero"/>
         <c:crossBetween val="midCat"/>
       </c:valAx>
@@ -594,14 +610,14 @@
         <p:spPr>
           <a:xfrm>
             <a:off x="0" y="0"/>
-            <a:ext cx="3170238" cy="479425"/>
+            <a:ext cx="3048465" cy="463571"/>
           </a:xfrm>
           <a:prstGeom prst="rect">
             <a:avLst/>
           </a:prstGeom>
         </p:spPr>
         <p:txBody>
-          <a:bodyPr vert="horz" lIns="91440" tIns="45720" rIns="91440" bIns="45720" rtlCol="0"/>
+          <a:bodyPr vert="horz" lIns="88203" tIns="44102" rIns="88203" bIns="44102" rtlCol="0"/>
           <a:lstStyle>
             <a:lvl1pPr algn="l">
               <a:defRPr sz="1200"/>
@@ -624,15 +640,15 @@
         </p:nvSpPr>
         <p:spPr>
           <a:xfrm>
-            <a:off x="4143375" y="0"/>
-            <a:ext cx="3170238" cy="479425"/>
+            <a:off x="3984222" y="0"/>
+            <a:ext cx="3048465" cy="463571"/>
           </a:xfrm>
           <a:prstGeom prst="rect">
             <a:avLst/>
           </a:prstGeom>
         </p:spPr>
         <p:txBody>
-          <a:bodyPr vert="horz" lIns="91440" tIns="45720" rIns="91440" bIns="45720" rtlCol="0"/>
+          <a:bodyPr vert="horz" lIns="88203" tIns="44102" rIns="88203" bIns="44102" rtlCol="0"/>
           <a:lstStyle>
             <a:lvl1pPr algn="r">
               <a:defRPr sz="1200"/>
@@ -642,7 +658,7 @@
             <a:fld id="{BA9E5E55-40DD-4D5E-86A5-EC68D939BA2C}" type="datetimeFigureOut">
               <a:rPr lang="en-US" smtClean="0"/>
               <a:pPr/>
-              <a:t>11/9/2011</a:t>
+              <a:t>11/10/2011</a:t>
             </a:fld>
             <a:endParaRPr lang="en-GB"/>
           </a:p>
@@ -660,15 +676,15 @@
         </p:nvSpPr>
         <p:spPr>
           <a:xfrm>
-            <a:off x="0" y="9120188"/>
-            <a:ext cx="3170238" cy="479425"/>
+            <a:off x="0" y="8818595"/>
+            <a:ext cx="3048465" cy="463571"/>
           </a:xfrm>
           <a:prstGeom prst="rect">
             <a:avLst/>
           </a:prstGeom>
         </p:spPr>
         <p:txBody>
-          <a:bodyPr vert="horz" lIns="91440" tIns="45720" rIns="91440" bIns="45720" rtlCol="0" anchor="b"/>
+          <a:bodyPr vert="horz" lIns="88203" tIns="44102" rIns="88203" bIns="44102" rtlCol="0" anchor="b"/>
           <a:lstStyle>
             <a:lvl1pPr algn="l">
               <a:defRPr sz="1200"/>
@@ -691,15 +707,15 @@
         </p:nvSpPr>
         <p:spPr>
           <a:xfrm>
-            <a:off x="4143375" y="9120188"/>
-            <a:ext cx="3170238" cy="479425"/>
+            <a:off x="3984222" y="8818595"/>
+            <a:ext cx="3048465" cy="463571"/>
           </a:xfrm>
           <a:prstGeom prst="rect">
             <a:avLst/>
           </a:prstGeom>
         </p:spPr>
         <p:txBody>
-          <a:bodyPr vert="horz" lIns="91440" tIns="45720" rIns="91440" bIns="45720" rtlCol="0" anchor="b"/>
+          <a:bodyPr vert="horz" lIns="88203" tIns="44102" rIns="88203" bIns="44102" rtlCol="0" anchor="b"/>
           <a:lstStyle>
             <a:lvl1pPr algn="r">
               <a:defRPr sz="1200"/>
@@ -756,14 +772,14 @@
         <p:spPr>
           <a:xfrm>
             <a:off x="0" y="0"/>
-            <a:ext cx="3170238" cy="479425"/>
+            <a:ext cx="3048465" cy="463571"/>
           </a:xfrm>
           <a:prstGeom prst="rect">
             <a:avLst/>
           </a:prstGeom>
         </p:spPr>
         <p:txBody>
-          <a:bodyPr vert="horz" lIns="91440" tIns="45720" rIns="91440" bIns="45720" rtlCol="0"/>
+          <a:bodyPr vert="horz" lIns="88203" tIns="44102" rIns="88203" bIns="44102" rtlCol="0"/>
           <a:lstStyle>
             <a:lvl1pPr algn="l">
               <a:defRPr sz="1200"/>
@@ -786,15 +802,15 @@
         </p:nvSpPr>
         <p:spPr>
           <a:xfrm>
-            <a:off x="4143375" y="0"/>
-            <a:ext cx="3170238" cy="479425"/>
+            <a:off x="3984222" y="0"/>
+            <a:ext cx="3048465" cy="463571"/>
           </a:xfrm>
           <a:prstGeom prst="rect">
             <a:avLst/>
           </a:prstGeom>
         </p:spPr>
         <p:txBody>
-          <a:bodyPr vert="horz" lIns="91440" tIns="45720" rIns="91440" bIns="45720" rtlCol="0"/>
+          <a:bodyPr vert="horz" lIns="88203" tIns="44102" rIns="88203" bIns="44102" rtlCol="0"/>
           <a:lstStyle>
             <a:lvl1pPr algn="r">
               <a:defRPr sz="1200"/>
@@ -804,7 +820,7 @@
             <a:fld id="{3FDD500C-A508-43E8-8008-21331FC37330}" type="datetimeFigureOut">
               <a:rPr lang="en-US" smtClean="0"/>
               <a:pPr/>
-              <a:t>11/9/2011</a:t>
+              <a:t>11/10/2011</a:t>
             </a:fld>
             <a:endParaRPr lang="en-GB"/>
           </a:p>
@@ -822,8 +838,8 @@
         </p:nvSpPr>
         <p:spPr>
           <a:xfrm>
-            <a:off x="1057275" y="720725"/>
-            <a:ext cx="5200650" cy="3600450"/>
+            <a:off x="1003300" y="696913"/>
+            <a:ext cx="5027613" cy="3481387"/>
           </a:xfrm>
           <a:prstGeom prst="rect">
             <a:avLst/>
@@ -836,7 +852,7 @@
           </a:ln>
         </p:spPr>
         <p:txBody>
-          <a:bodyPr vert="horz" lIns="91440" tIns="45720" rIns="91440" bIns="45720" rtlCol="0" anchor="ctr"/>
+          <a:bodyPr vert="horz" lIns="88203" tIns="44102" rIns="88203" bIns="44102" rtlCol="0" anchor="ctr"/>
           <a:lstStyle/>
           <a:p>
             <a:endParaRPr lang="en-GB"/>
@@ -855,15 +871,15 @@
         </p:nvSpPr>
         <p:spPr>
           <a:xfrm>
-            <a:off x="731838" y="4560888"/>
-            <a:ext cx="5851525" cy="4319587"/>
+            <a:off x="703727" y="4410065"/>
+            <a:ext cx="5626760" cy="4176744"/>
           </a:xfrm>
           <a:prstGeom prst="rect">
             <a:avLst/>
           </a:prstGeom>
         </p:spPr>
         <p:txBody>
-          <a:bodyPr vert="horz" lIns="91440" tIns="45720" rIns="91440" bIns="45720" rtlCol="0">
+          <a:bodyPr vert="horz" lIns="88203" tIns="44102" rIns="88203" bIns="44102" rtlCol="0">
             <a:normAutofit/>
           </a:bodyPr>
           <a:lstStyle/>
@@ -917,15 +933,15 @@
         </p:nvSpPr>
         <p:spPr>
           <a:xfrm>
-            <a:off x="0" y="9120188"/>
-            <a:ext cx="3170238" cy="479425"/>
+            <a:off x="0" y="8818595"/>
+            <a:ext cx="3048465" cy="463571"/>
           </a:xfrm>
           <a:prstGeom prst="rect">
             <a:avLst/>
           </a:prstGeom>
         </p:spPr>
         <p:txBody>
-          <a:bodyPr vert="horz" lIns="91440" tIns="45720" rIns="91440" bIns="45720" rtlCol="0" anchor="b"/>
+          <a:bodyPr vert="horz" lIns="88203" tIns="44102" rIns="88203" bIns="44102" rtlCol="0" anchor="b"/>
           <a:lstStyle>
             <a:lvl1pPr algn="l">
               <a:defRPr sz="1200"/>
@@ -948,15 +964,15 @@
         </p:nvSpPr>
         <p:spPr>
           <a:xfrm>
-            <a:off x="4143375" y="9120188"/>
-            <a:ext cx="3170238" cy="479425"/>
+            <a:off x="3984222" y="8818595"/>
+            <a:ext cx="3048465" cy="463571"/>
           </a:xfrm>
           <a:prstGeom prst="rect">
             <a:avLst/>
           </a:prstGeom>
         </p:spPr>
         <p:txBody>
-          <a:bodyPr vert="horz" lIns="91440" tIns="45720" rIns="91440" bIns="45720" rtlCol="0" anchor="b"/>
+          <a:bodyPr vert="horz" lIns="88203" tIns="44102" rIns="88203" bIns="44102" rtlCol="0" anchor="b"/>
           <a:lstStyle>
             <a:lvl1pPr algn="r">
               <a:defRPr sz="1200"/>
@@ -10350,7 +10366,7 @@
 </file>
 
 <file path=ppt/slides/slide6.xml><?xml version="1.0" encoding="utf-8"?>
-<p:sld xmlns:a="http://schemas.openxmlformats.org/drawingml/2006/main" xmlns:r="http://schemas.openxmlformats.org/officeDocument/2006/relationships" xmlns:p="http://schemas.openxmlformats.org/presentationml/2006/main">
+<p:sld xmlns:a="http://schemas.openxmlformats.org/drawingml/2006/main" xmlns:r="http://schemas.openxmlformats.org/officeDocument/2006/relationships" xmlns:p="http://schemas.openxmlformats.org/presentationml/2006/main" showMasterSp="0">
   <p:cSld>
     <p:spTree>
       <p:nvGrpSpPr>
@@ -10368,14 +10384,38 @@
       </p:grpSpPr>
       <p:sp>
         <p:nvSpPr>
+          <p:cNvPr id="67" name="Slide Number Placeholder 66"/>
+          <p:cNvSpPr>
+            <a:spLocks noGrp="1"/>
+          </p:cNvSpPr>
+          <p:nvPr>
+            <p:ph type="sldNum" sz="quarter" idx="11"/>
+          </p:nvPr>
+        </p:nvSpPr>
+        <p:spPr/>
+        <p:txBody>
+          <a:bodyPr/>
+          <a:lstStyle/>
+          <a:p>
+            <a:fld id="{396A2528-BFCE-4DA1-8CA6-E7CCE78C7A79}" type="slidenum">
+              <a:rPr lang="fi-FI" smtClean="0"/>
+              <a:pPr/>
+              <a:t>6</a:t>
+            </a:fld>
+            <a:endParaRPr lang="fi-FI"/>
+          </a:p>
+        </p:txBody>
+      </p:sp>
+      <p:sp>
+        <p:nvSpPr>
           <p:cNvPr id="29" name="Rectangle 28"/>
           <p:cNvSpPr/>
           <p:nvPr/>
         </p:nvSpPr>
         <p:spPr bwMode="auto">
           <a:xfrm>
-            <a:off x="4448944" y="2708920"/>
-            <a:ext cx="2160239" cy="1656184"/>
+            <a:off x="3340020" y="986130"/>
+            <a:ext cx="1782197" cy="1366352"/>
           </a:xfrm>
           <a:prstGeom prst="rect">
             <a:avLst/>
@@ -10441,8 +10481,8 @@
         </p:nvCxnSpPr>
         <p:spPr bwMode="auto">
           <a:xfrm flipV="1">
-            <a:off x="6393160" y="2060848"/>
-            <a:ext cx="3024336" cy="1008112"/>
+            <a:off x="4943999" y="451470"/>
+            <a:ext cx="2495078" cy="831692"/>
           </a:xfrm>
           <a:prstGeom prst="straightConnector1">
             <a:avLst/>
@@ -10470,8 +10510,8 @@
         </p:nvCxnSpPr>
         <p:spPr bwMode="auto">
           <a:xfrm flipV="1">
-            <a:off x="6465168" y="3645024"/>
-            <a:ext cx="2952328" cy="72008"/>
+            <a:off x="5003405" y="1758415"/>
+            <a:ext cx="2435671" cy="59407"/>
           </a:xfrm>
           <a:prstGeom prst="straightConnector1">
             <a:avLst/>
@@ -10491,58 +10531,6 @@
           <a:effectLst/>
         </p:spPr>
       </p:cxnSp>
-      <p:sp>
-        <p:nvSpPr>
-          <p:cNvPr id="2" name="Title 1"/>
-          <p:cNvSpPr>
-            <a:spLocks noGrp="1"/>
-          </p:cNvSpPr>
-          <p:nvPr>
-            <p:ph type="title"/>
-          </p:nvPr>
-        </p:nvSpPr>
-        <p:spPr>
-          <a:xfrm>
-            <a:off x="776536" y="260648"/>
-            <a:ext cx="8581760" cy="863600"/>
-          </a:xfrm>
-        </p:spPr>
-        <p:txBody>
-          <a:bodyPr/>
-          <a:lstStyle/>
-          <a:p>
-            <a:r>
-              <a:rPr lang="en-GB" dirty="0" smtClean="0"/>
-              <a:t>General layout</a:t>
-            </a:r>
-            <a:endParaRPr lang="en-GB" dirty="0"/>
-          </a:p>
-        </p:txBody>
-      </p:sp>
-      <p:sp>
-        <p:nvSpPr>
-          <p:cNvPr id="67" name="Slide Number Placeholder 66"/>
-          <p:cNvSpPr>
-            <a:spLocks noGrp="1"/>
-          </p:cNvSpPr>
-          <p:nvPr>
-            <p:ph type="sldNum" sz="quarter" idx="11"/>
-          </p:nvPr>
-        </p:nvSpPr>
-        <p:spPr/>
-        <p:txBody>
-          <a:bodyPr/>
-          <a:lstStyle/>
-          <a:p>
-            <a:fld id="{396A2528-BFCE-4DA1-8CA6-E7CCE78C7A79}" type="slidenum">
-              <a:rPr lang="fi-FI" smtClean="0"/>
-              <a:pPr/>
-              <a:t>6</a:t>
-            </a:fld>
-            <a:endParaRPr lang="fi-FI"/>
-          </a:p>
-        </p:txBody>
-      </p:sp>
       <p:grpSp>
         <p:nvGrpSpPr>
           <p:cNvPr id="3" name="Group 62"/>
@@ -10551,8 +10539,8 @@
         </p:nvGrpSpPr>
         <p:grpSpPr>
           <a:xfrm>
-            <a:off x="1064568" y="1916832"/>
-            <a:ext cx="2267485" cy="2880319"/>
+            <a:off x="547910" y="332657"/>
+            <a:ext cx="1870675" cy="2376263"/>
             <a:chOff x="3368824" y="1196752"/>
             <a:chExt cx="5688633" cy="4752528"/>
           </a:xfrm>
@@ -10708,8 +10696,8 @@
         </p:nvCxnSpPr>
         <p:spPr bwMode="auto">
           <a:xfrm>
-            <a:off x="6465168" y="4221088"/>
-            <a:ext cx="2952328" cy="504056"/>
+            <a:off x="5003405" y="2233668"/>
+            <a:ext cx="2435671" cy="415846"/>
           </a:xfrm>
           <a:prstGeom prst="straightConnector1">
             <a:avLst/>
@@ -10739,8 +10727,8 @@
         </p:nvCxnSpPr>
         <p:spPr bwMode="auto">
           <a:xfrm flipH="1">
-            <a:off x="1983819" y="2836083"/>
-            <a:ext cx="367700" cy="0"/>
+            <a:off x="1306292" y="1091039"/>
+            <a:ext cx="303353" cy="0"/>
           </a:xfrm>
           <a:prstGeom prst="line">
             <a:avLst/>
@@ -10768,8 +10756,8 @@
         </p:nvSpPr>
         <p:spPr bwMode="auto">
           <a:xfrm>
-            <a:off x="1248419" y="2652233"/>
-            <a:ext cx="735401" cy="1777218"/>
+            <a:off x="699587" y="939363"/>
+            <a:ext cx="606706" cy="1466205"/>
           </a:xfrm>
           <a:prstGeom prst="rect">
             <a:avLst/>
@@ -10794,7 +10782,7 @@
           </a:fontRef>
         </p:style>
         <p:txBody>
-          <a:bodyPr vert="horz" wrap="square" lIns="90000" tIns="46800" rIns="90000" bIns="46800" numCol="1" rtlCol="0" anchor="ctr" anchorCtr="0" compatLnSpc="1">
+          <a:bodyPr vert="horz" wrap="square" lIns="36000" tIns="46800" rIns="36000" bIns="46800" numCol="1" rtlCol="0" anchor="ctr" anchorCtr="0" compatLnSpc="1">
             <a:prstTxWarp prst="textNoShape">
               <a:avLst/>
             </a:prstTxWarp>
@@ -10856,8 +10844,8 @@
         </p:nvSpPr>
         <p:spPr bwMode="auto">
           <a:xfrm>
-            <a:off x="2351519" y="2652233"/>
-            <a:ext cx="735401" cy="367700"/>
+            <a:off x="1609644" y="939363"/>
+            <a:ext cx="606706" cy="303352"/>
           </a:xfrm>
           <a:prstGeom prst="rect">
             <a:avLst/>
@@ -10882,7 +10870,7 @@
           </a:fontRef>
         </p:style>
         <p:txBody>
-          <a:bodyPr vert="horz" wrap="square" lIns="90000" tIns="46800" rIns="90000" bIns="46800" numCol="1" rtlCol="0" anchor="ctr" anchorCtr="0" compatLnSpc="1">
+          <a:bodyPr vert="horz" wrap="square" lIns="36000" tIns="46800" rIns="36000" bIns="46800" numCol="1" rtlCol="0" anchor="ctr" anchorCtr="0" compatLnSpc="1">
             <a:prstTxWarp prst="textNoShape">
               <a:avLst/>
             </a:prstTxWarp>
@@ -10899,7 +10887,7 @@
               </a:spcAft>
             </a:pPr>
             <a:r>
-              <a:rPr lang="fi-FI" sz="800" kern="1200" dirty="0" err="1" smtClean="0">
+              <a:rPr lang="fi-FI" sz="700" kern="1200" dirty="0" err="1" smtClean="0">
                 <a:solidFill>
                   <a:prstClr val="black"/>
                 </a:solidFill>
@@ -10910,16 +10898,57 @@
               <a:t>addr</a:t>
             </a:r>
             <a:r>
-              <a:rPr lang="fi-FI" sz="800" dirty="0" err="1" smtClean="0">
+              <a:rPr lang="fi-FI" sz="700" kern="1200" dirty="0" smtClean="0">
+                <a:solidFill>
+                  <a:prstClr val="black"/>
+                </a:solidFill>
+                <a:latin typeface="+mn-lt"/>
+                <a:ea typeface="+mn-ea"/>
+                <a:cs typeface="Arial" pitchFamily="34" charset="0"/>
+              </a:rPr>
+              <a:t> </a:t>
+            </a:r>
+            <a:r>
+              <a:rPr lang="fi-FI" sz="700" dirty="0" smtClean="0">
                 <a:solidFill>
                   <a:prstClr val="black"/>
                 </a:solidFill>
                 <a:latin typeface="+mn-lt"/>
                 <a:cs typeface="Arial" pitchFamily="34" charset="0"/>
               </a:rPr>
-              <a:t>_data_mux_write</a:t>
-            </a:r>
-            <a:endParaRPr lang="en-US" sz="800" kern="1200" dirty="0" smtClean="0">
+              <a:t>data </a:t>
+            </a:r>
+            <a:r>
+              <a:rPr lang="fi-FI" sz="700" dirty="0" err="1" smtClean="0">
+                <a:solidFill>
+                  <a:prstClr val="black"/>
+                </a:solidFill>
+                <a:latin typeface="+mn-lt"/>
+                <a:cs typeface="Arial" pitchFamily="34" charset="0"/>
+              </a:rPr>
+              <a:t>mux</a:t>
+            </a:r>
+            <a:r>
+              <a:rPr lang="fi-FI" sz="700" dirty="0" smtClean="0">
+                <a:solidFill>
+                  <a:prstClr val="black"/>
+                </a:solidFill>
+                <a:latin typeface="+mn-lt"/>
+                <a:cs typeface="Arial" pitchFamily="34" charset="0"/>
+              </a:rPr>
+              <a:t> </a:t>
+            </a:r>
+            <a:r>
+              <a:rPr lang="fi-FI" sz="700" dirty="0" err="1" smtClean="0">
+                <a:solidFill>
+                  <a:prstClr val="black"/>
+                </a:solidFill>
+                <a:latin typeface="+mn-lt"/>
+                <a:cs typeface="Arial" pitchFamily="34" charset="0"/>
+              </a:rPr>
+              <a:t>write</a:t>
+            </a:r>
+            <a:endParaRPr lang="en-US" sz="700" kern="1200" dirty="0" smtClean="0">
               <a:solidFill>
                 <a:prstClr val="black"/>
               </a:solidFill>
@@ -10938,8 +10967,8 @@
         </p:nvSpPr>
         <p:spPr bwMode="auto">
           <a:xfrm>
-            <a:off x="2351519" y="3632767"/>
-            <a:ext cx="735401" cy="367700"/>
+            <a:off x="1609644" y="1748303"/>
+            <a:ext cx="606706" cy="303352"/>
           </a:xfrm>
           <a:prstGeom prst="rect">
             <a:avLst/>
@@ -10964,7 +10993,7 @@
           </a:fontRef>
         </p:style>
         <p:txBody>
-          <a:bodyPr vert="horz" wrap="square" lIns="90000" tIns="46800" rIns="90000" bIns="46800" numCol="1" rtlCol="0" anchor="ctr" anchorCtr="0" compatLnSpc="1">
+          <a:bodyPr vert="horz" wrap="square" lIns="36000" tIns="46800" rIns="36000" bIns="46800" numCol="1" rtlCol="0" anchor="ctr" anchorCtr="0" compatLnSpc="1">
             <a:prstTxWarp prst="textNoShape">
               <a:avLst/>
             </a:prstTxWarp>
@@ -10978,15 +11007,51 @@
               </a:spcBef>
             </a:pPr>
             <a:r>
-              <a:rPr lang="fi-FI" sz="800" dirty="0" err="1" smtClean="0">
+              <a:rPr lang="fi-FI" sz="700" dirty="0" err="1" smtClean="0">
                 <a:solidFill>
                   <a:prstClr val="black"/>
                 </a:solidFill>
                 <a:cs typeface="Arial" pitchFamily="34" charset="0"/>
               </a:rPr>
-              <a:t>addr_data_mux_write</a:t>
-            </a:r>
-            <a:endParaRPr lang="en-US" sz="800" dirty="0" smtClean="0">
+              <a:t>addr</a:t>
+            </a:r>
+            <a:r>
+              <a:rPr lang="fi-FI" sz="700" dirty="0" smtClean="0">
+                <a:solidFill>
+                  <a:prstClr val="black"/>
+                </a:solidFill>
+                <a:cs typeface="Arial" pitchFamily="34" charset="0"/>
+              </a:rPr>
+              <a:t> data </a:t>
+            </a:r>
+            <a:r>
+              <a:rPr lang="fi-FI" sz="700" dirty="0" err="1" smtClean="0">
+                <a:solidFill>
+                  <a:prstClr val="black"/>
+                </a:solidFill>
+                <a:cs typeface="Arial" pitchFamily="34" charset="0"/>
+              </a:rPr>
+              <a:t>mux</a:t>
+            </a:r>
+            <a:r>
+              <a:rPr lang="fi-FI" sz="700" dirty="0" smtClean="0">
+                <a:solidFill>
+                  <a:prstClr val="black"/>
+                </a:solidFill>
+                <a:cs typeface="Arial" pitchFamily="34" charset="0"/>
+              </a:rPr>
+              <a:t> </a:t>
+            </a:r>
+            <a:r>
+              <a:rPr lang="fi-FI" sz="700" dirty="0" err="1" smtClean="0">
+                <a:solidFill>
+                  <a:prstClr val="black"/>
+                </a:solidFill>
+                <a:cs typeface="Arial" pitchFamily="34" charset="0"/>
+              </a:rPr>
+              <a:t>write</a:t>
+            </a:r>
+            <a:endParaRPr lang="en-US" sz="700" dirty="0" smtClean="0">
               <a:solidFill>
                 <a:prstClr val="black"/>
               </a:solidFill>
@@ -11003,8 +11068,8 @@
         </p:nvSpPr>
         <p:spPr bwMode="auto">
           <a:xfrm>
-            <a:off x="2351519" y="3081216"/>
-            <a:ext cx="735401" cy="367700"/>
+            <a:off x="1609644" y="1293274"/>
+            <a:ext cx="606706" cy="303352"/>
           </a:xfrm>
           <a:prstGeom prst="rect">
             <a:avLst/>
@@ -11029,7 +11094,7 @@
           </a:fontRef>
         </p:style>
         <p:txBody>
-          <a:bodyPr vert="horz" wrap="square" lIns="90000" tIns="46800" rIns="90000" bIns="46800" numCol="1" rtlCol="0" anchor="ctr" anchorCtr="0" compatLnSpc="1">
+          <a:bodyPr vert="horz" wrap="square" lIns="36000" tIns="46800" rIns="36000" bIns="46800" numCol="1" rtlCol="0" anchor="ctr" anchorCtr="0" compatLnSpc="1">
             <a:prstTxWarp prst="textNoShape">
               <a:avLst/>
             </a:prstTxWarp>
@@ -11043,15 +11108,51 @@
               </a:spcBef>
             </a:pPr>
             <a:r>
-              <a:rPr lang="fi-FI" sz="800" dirty="0" err="1" smtClean="0">
+              <a:rPr lang="fi-FI" sz="700" dirty="0" err="1" smtClean="0">
                 <a:solidFill>
                   <a:prstClr val="black"/>
                 </a:solidFill>
                 <a:cs typeface="Arial" pitchFamily="34" charset="0"/>
               </a:rPr>
-              <a:t>addr_data_mux_read</a:t>
-            </a:r>
-            <a:endParaRPr lang="en-US" sz="800" dirty="0" smtClean="0">
+              <a:t>addr</a:t>
+            </a:r>
+            <a:r>
+              <a:rPr lang="fi-FI" sz="700" dirty="0" smtClean="0">
+                <a:solidFill>
+                  <a:prstClr val="black"/>
+                </a:solidFill>
+                <a:cs typeface="Arial" pitchFamily="34" charset="0"/>
+              </a:rPr>
+              <a:t> data </a:t>
+            </a:r>
+            <a:r>
+              <a:rPr lang="fi-FI" sz="700" dirty="0" err="1" smtClean="0">
+                <a:solidFill>
+                  <a:prstClr val="black"/>
+                </a:solidFill>
+                <a:cs typeface="Arial" pitchFamily="34" charset="0"/>
+              </a:rPr>
+              <a:t>mux</a:t>
+            </a:r>
+            <a:r>
+              <a:rPr lang="fi-FI" sz="700" dirty="0" smtClean="0">
+                <a:solidFill>
+                  <a:prstClr val="black"/>
+                </a:solidFill>
+                <a:cs typeface="Arial" pitchFamily="34" charset="0"/>
+              </a:rPr>
+              <a:t> </a:t>
+            </a:r>
+            <a:r>
+              <a:rPr lang="fi-FI" sz="700" dirty="0" err="1" smtClean="0">
+                <a:solidFill>
+                  <a:prstClr val="black"/>
+                </a:solidFill>
+                <a:cs typeface="Arial" pitchFamily="34" charset="0"/>
+              </a:rPr>
+              <a:t>read</a:t>
+            </a:r>
+            <a:endParaRPr lang="en-US" sz="700" dirty="0" smtClean="0">
               <a:solidFill>
                 <a:prstClr val="black"/>
               </a:solidFill>
@@ -11068,8 +11169,8 @@
         </p:nvSpPr>
         <p:spPr bwMode="auto">
           <a:xfrm>
-            <a:off x="2351519" y="4061750"/>
-            <a:ext cx="735401" cy="367700"/>
+            <a:off x="1609644" y="2102214"/>
+            <a:ext cx="606706" cy="303352"/>
           </a:xfrm>
           <a:prstGeom prst="rect">
             <a:avLst/>
@@ -11094,7 +11195,7 @@
           </a:fontRef>
         </p:style>
         <p:txBody>
-          <a:bodyPr vert="horz" wrap="square" lIns="90000" tIns="46800" rIns="90000" bIns="46800" numCol="1" rtlCol="0" anchor="ctr" anchorCtr="0" compatLnSpc="1">
+          <a:bodyPr vert="horz" wrap="square" lIns="36000" tIns="46800" rIns="36000" bIns="46800" numCol="1" rtlCol="0" anchor="ctr" anchorCtr="0" compatLnSpc="1">
             <a:prstTxWarp prst="textNoShape">
               <a:avLst/>
             </a:prstTxWarp>
@@ -11108,15 +11209,51 @@
               </a:spcBef>
             </a:pPr>
             <a:r>
-              <a:rPr lang="fi-FI" sz="800" dirty="0" err="1" smtClean="0">
+              <a:rPr lang="fi-FI" sz="700" dirty="0" err="1" smtClean="0">
                 <a:solidFill>
                   <a:prstClr val="black"/>
                 </a:solidFill>
                 <a:cs typeface="Arial" pitchFamily="34" charset="0"/>
               </a:rPr>
-              <a:t>addr_data_mux_read</a:t>
-            </a:r>
-            <a:endParaRPr lang="en-US" sz="800" dirty="0" smtClean="0">
+              <a:t>addr</a:t>
+            </a:r>
+            <a:r>
+              <a:rPr lang="fi-FI" sz="700" dirty="0" smtClean="0">
+                <a:solidFill>
+                  <a:prstClr val="black"/>
+                </a:solidFill>
+                <a:cs typeface="Arial" pitchFamily="34" charset="0"/>
+              </a:rPr>
+              <a:t>  data </a:t>
+            </a:r>
+            <a:r>
+              <a:rPr lang="fi-FI" sz="700" dirty="0" err="1" smtClean="0">
+                <a:solidFill>
+                  <a:prstClr val="black"/>
+                </a:solidFill>
+                <a:cs typeface="Arial" pitchFamily="34" charset="0"/>
+              </a:rPr>
+              <a:t>mux</a:t>
+            </a:r>
+            <a:r>
+              <a:rPr lang="fi-FI" sz="700" dirty="0" smtClean="0">
+                <a:solidFill>
+                  <a:prstClr val="black"/>
+                </a:solidFill>
+                <a:cs typeface="Arial" pitchFamily="34" charset="0"/>
+              </a:rPr>
+              <a:t> </a:t>
+            </a:r>
+            <a:r>
+              <a:rPr lang="fi-FI" sz="700" dirty="0" err="1" smtClean="0">
+                <a:solidFill>
+                  <a:prstClr val="black"/>
+                </a:solidFill>
+                <a:cs typeface="Arial" pitchFamily="34" charset="0"/>
+              </a:rPr>
+              <a:t>read</a:t>
+            </a:r>
+            <a:endParaRPr lang="en-US" sz="700" dirty="0" smtClean="0">
               <a:solidFill>
                 <a:prstClr val="black"/>
               </a:solidFill>
@@ -11133,8 +11270,8 @@
         </p:nvSpPr>
         <p:spPr bwMode="auto">
           <a:xfrm>
-            <a:off x="2259594" y="4506055"/>
-            <a:ext cx="949892" cy="229813"/>
+            <a:off x="1533806" y="2468766"/>
+            <a:ext cx="783661" cy="189596"/>
           </a:xfrm>
           <a:prstGeom prst="rect">
             <a:avLst/>
@@ -11167,7 +11304,7 @@
               </a:spcAft>
             </a:pPr>
             <a:r>
-              <a:rPr lang="en-US" sz="800" kern="1200" dirty="0" smtClean="0">
+              <a:rPr lang="en-US" sz="700" kern="1200" dirty="0" smtClean="0">
                 <a:solidFill>
                   <a:prstClr val="black"/>
                 </a:solidFill>
@@ -11188,8 +11325,8 @@
         </p:nvSpPr>
         <p:spPr bwMode="auto">
           <a:xfrm>
-            <a:off x="2228953" y="3571483"/>
-            <a:ext cx="980534" cy="1164384"/>
+            <a:off x="1508527" y="1697744"/>
+            <a:ext cx="808941" cy="960617"/>
           </a:xfrm>
           <a:prstGeom prst="rect">
             <a:avLst/>
@@ -11260,8 +11397,8 @@
         </p:nvSpPr>
         <p:spPr bwMode="auto">
           <a:xfrm>
-            <a:off x="2228953" y="2345816"/>
-            <a:ext cx="980534" cy="1164384"/>
+            <a:off x="1508527" y="686569"/>
+            <a:ext cx="808941" cy="960617"/>
           </a:xfrm>
           <a:prstGeom prst="rect">
             <a:avLst/>
@@ -11332,8 +11469,8 @@
         </p:nvSpPr>
         <p:spPr bwMode="auto">
           <a:xfrm>
-            <a:off x="2228953" y="2345816"/>
-            <a:ext cx="980534" cy="291096"/>
+            <a:off x="1508527" y="686569"/>
+            <a:ext cx="808941" cy="240154"/>
           </a:xfrm>
           <a:prstGeom prst="rect">
             <a:avLst/>
@@ -11366,7 +11503,7 @@
               </a:spcAft>
             </a:pPr>
             <a:r>
-              <a:rPr lang="fi-FI" sz="800" dirty="0" err="1" smtClean="0">
+              <a:rPr lang="fi-FI" sz="700" dirty="0" err="1" smtClean="0">
                 <a:solidFill>
                   <a:prstClr val="black"/>
                 </a:solidFill>
@@ -11376,7 +11513,7 @@
               <a:t>normal</a:t>
             </a:r>
             <a:r>
-              <a:rPr lang="fi-FI" sz="800" dirty="0" smtClean="0">
+              <a:rPr lang="fi-FI" sz="700" dirty="0" smtClean="0">
                 <a:solidFill>
                   <a:prstClr val="black"/>
                 </a:solidFill>
@@ -11386,7 +11523,7 @@
               <a:t> </a:t>
             </a:r>
             <a:r>
-              <a:rPr lang="fi-FI" sz="800" dirty="0" err="1" smtClean="0">
+              <a:rPr lang="fi-FI" sz="700" dirty="0" err="1" smtClean="0">
                 <a:solidFill>
                   <a:prstClr val="black"/>
                 </a:solidFill>
@@ -11395,7 +11532,7 @@
               </a:rPr>
               <a:t>interface</a:t>
             </a:r>
-            <a:endParaRPr lang="en-US" sz="800" kern="1200" dirty="0" smtClean="0">
+            <a:endParaRPr lang="en-US" sz="700" kern="1200" dirty="0" smtClean="0">
               <a:solidFill>
                 <a:prstClr val="black"/>
               </a:solidFill>
@@ -11416,8 +11553,8 @@
         </p:nvCxnSpPr>
         <p:spPr bwMode="auto">
           <a:xfrm>
-            <a:off x="1983819" y="3265066"/>
-            <a:ext cx="367700" cy="0"/>
+            <a:off x="1306292" y="1444950"/>
+            <a:ext cx="303353" cy="0"/>
           </a:xfrm>
           <a:prstGeom prst="line">
             <a:avLst/>
@@ -11447,8 +11584,8 @@
         </p:nvCxnSpPr>
         <p:spPr bwMode="auto">
           <a:xfrm flipH="1">
-            <a:off x="3086920" y="2836083"/>
-            <a:ext cx="490267" cy="0"/>
+            <a:off x="2216350" y="1091039"/>
+            <a:ext cx="404470" cy="0"/>
           </a:xfrm>
           <a:prstGeom prst="line">
             <a:avLst/>
@@ -11478,8 +11615,8 @@
         </p:nvCxnSpPr>
         <p:spPr bwMode="auto">
           <a:xfrm>
-            <a:off x="3086920" y="3265066"/>
-            <a:ext cx="428984" cy="0"/>
+            <a:off x="2216350" y="1444950"/>
+            <a:ext cx="353912" cy="0"/>
           </a:xfrm>
           <a:prstGeom prst="line">
             <a:avLst/>
@@ -11509,8 +11646,8 @@
         </p:nvCxnSpPr>
         <p:spPr bwMode="auto">
           <a:xfrm flipH="1">
-            <a:off x="1983819" y="3816617"/>
-            <a:ext cx="367700" cy="0"/>
+            <a:off x="1306292" y="1899980"/>
+            <a:ext cx="303353" cy="0"/>
           </a:xfrm>
           <a:prstGeom prst="line">
             <a:avLst/>
@@ -11540,8 +11677,8 @@
         </p:nvCxnSpPr>
         <p:spPr bwMode="auto">
           <a:xfrm flipH="1">
-            <a:off x="3086920" y="3816617"/>
-            <a:ext cx="490267" cy="0"/>
+            <a:off x="2216350" y="1899980"/>
+            <a:ext cx="404470" cy="0"/>
           </a:xfrm>
           <a:prstGeom prst="line">
             <a:avLst/>
@@ -11571,8 +11708,8 @@
         </p:nvCxnSpPr>
         <p:spPr bwMode="auto">
           <a:xfrm>
-            <a:off x="1983819" y="4245601"/>
-            <a:ext cx="367700" cy="0"/>
+            <a:off x="1306292" y="2253891"/>
+            <a:ext cx="303353" cy="0"/>
           </a:xfrm>
           <a:prstGeom prst="line">
             <a:avLst/>
@@ -11602,8 +11739,8 @@
         </p:nvCxnSpPr>
         <p:spPr bwMode="auto">
           <a:xfrm>
-            <a:off x="3086920" y="4245601"/>
-            <a:ext cx="490267" cy="0"/>
+            <a:off x="2216350" y="2253891"/>
+            <a:ext cx="404470" cy="0"/>
           </a:xfrm>
           <a:prstGeom prst="line">
             <a:avLst/>
@@ -11631,8 +11768,8 @@
         </p:nvCxnSpPr>
         <p:spPr bwMode="auto">
           <a:xfrm flipH="1">
-            <a:off x="819435" y="2958650"/>
-            <a:ext cx="428984" cy="0"/>
+            <a:off x="345675" y="1192157"/>
+            <a:ext cx="353912" cy="0"/>
           </a:xfrm>
           <a:prstGeom prst="line">
             <a:avLst/>
@@ -11660,8 +11797,8 @@
         </p:nvCxnSpPr>
         <p:spPr bwMode="auto">
           <a:xfrm>
-            <a:off x="819435" y="3877900"/>
-            <a:ext cx="428984" cy="0"/>
+            <a:off x="345675" y="1950538"/>
+            <a:ext cx="353912" cy="0"/>
           </a:xfrm>
           <a:prstGeom prst="line">
             <a:avLst/>
@@ -11689,8 +11826,8 @@
         </p:nvSpPr>
         <p:spPr bwMode="auto">
           <a:xfrm rot="16200000">
-            <a:off x="-222383" y="3387633"/>
-            <a:ext cx="1777218" cy="306417"/>
+            <a:off x="-513825" y="1546068"/>
+            <a:ext cx="1466205" cy="252794"/>
           </a:xfrm>
           <a:prstGeom prst="rect">
             <a:avLst/>
@@ -11733,7 +11870,7 @@
               <a:tabLst/>
             </a:pPr>
             <a:r>
-              <a:rPr kumimoji="0" lang="en-GB" i="0" u="none" strike="noStrike" cap="none" normalizeH="0" baseline="0" dirty="0" smtClean="0">
+              <a:rPr kumimoji="0" lang="en-GB" sz="1100" i="0" u="none" strike="noStrike" cap="none" normalizeH="0" baseline="0" dirty="0" smtClean="0">
                 <a:ln>
                   <a:noFill/>
                 </a:ln>
@@ -11743,7 +11880,7 @@
               <a:t>HIBI</a:t>
             </a:r>
             <a:r>
-              <a:rPr kumimoji="0" lang="en-GB" i="0" u="none" strike="noStrike" cap="none" normalizeH="0" dirty="0" smtClean="0">
+              <a:rPr kumimoji="0" lang="en-GB" sz="1100" i="0" u="none" strike="noStrike" cap="none" normalizeH="0" dirty="0" smtClean="0">
                 <a:ln>
                   <a:noFill/>
                 </a:ln>
@@ -11752,7 +11889,7 @@
               </a:rPr>
               <a:t> segment</a:t>
             </a:r>
-            <a:endParaRPr kumimoji="0" lang="en-GB" i="0" u="none" strike="noStrike" cap="none" normalizeH="0" baseline="0" dirty="0" smtClean="0">
+            <a:endParaRPr kumimoji="0" lang="en-GB" sz="1100" i="0" u="none" strike="noStrike" cap="none" normalizeH="0" baseline="0" dirty="0" smtClean="0">
               <a:ln>
                 <a:noFill/>
               </a:ln>
@@ -11770,8 +11907,8 @@
         </p:nvSpPr>
         <p:spPr bwMode="auto">
           <a:xfrm rot="16200000">
-            <a:off x="2841786" y="3387633"/>
-            <a:ext cx="1777218" cy="306417"/>
+            <a:off x="2014115" y="1546068"/>
+            <a:ext cx="1466205" cy="252794"/>
           </a:xfrm>
           <a:prstGeom prst="rect">
             <a:avLst/>
@@ -11814,7 +11951,7 @@
               <a:tabLst/>
             </a:pPr>
             <a:r>
-              <a:rPr kumimoji="0" lang="en-GB" i="0" u="none" strike="noStrike" cap="none" normalizeH="0" baseline="0" dirty="0" smtClean="0">
+              <a:rPr kumimoji="0" lang="en-GB" sz="1100" i="0" u="none" strike="noStrike" cap="none" normalizeH="0" baseline="0" dirty="0" smtClean="0">
                 <a:ln>
                   <a:noFill/>
                 </a:ln>
@@ -11824,7 +11961,7 @@
               <a:t>HIBI</a:t>
             </a:r>
             <a:r>
-              <a:rPr kumimoji="0" lang="en-GB" i="0" u="none" strike="noStrike" cap="none" normalizeH="0" dirty="0" smtClean="0">
+              <a:rPr kumimoji="0" lang="en-GB" sz="1100" i="0" u="none" strike="noStrike" cap="none" normalizeH="0" dirty="0" smtClean="0">
                 <a:ln>
                   <a:noFill/>
                 </a:ln>
@@ -11833,7 +11970,7 @@
               </a:rPr>
               <a:t> component</a:t>
             </a:r>
-            <a:endParaRPr kumimoji="0" lang="en-GB" i="0" u="none" strike="noStrike" cap="none" normalizeH="0" baseline="0" dirty="0" smtClean="0">
+            <a:endParaRPr kumimoji="0" lang="en-GB" sz="1100" i="0" u="none" strike="noStrike" cap="none" normalizeH="0" baseline="0" dirty="0" smtClean="0">
               <a:ln>
                 <a:noFill/>
               </a:ln>
@@ -11851,8 +11988,8 @@
         </p:nvSpPr>
         <p:spPr bwMode="auto">
           <a:xfrm>
-            <a:off x="4520952" y="2737097"/>
-            <a:ext cx="1979192" cy="187847"/>
+            <a:off x="3399427" y="1009376"/>
+            <a:ext cx="1632834" cy="154974"/>
           </a:xfrm>
           <a:prstGeom prst="rect">
             <a:avLst/>
@@ -11927,8 +12064,8 @@
         </p:nvCxnSpPr>
         <p:spPr bwMode="auto">
           <a:xfrm flipH="1">
-            <a:off x="4304928" y="3312000"/>
-            <a:ext cx="360040" cy="0"/>
+            <a:off x="3221207" y="1483671"/>
+            <a:ext cx="297033" cy="0"/>
           </a:xfrm>
           <a:prstGeom prst="line">
             <a:avLst/>
@@ -11956,8 +12093,8 @@
         </p:nvSpPr>
         <p:spPr bwMode="auto">
           <a:xfrm>
-            <a:off x="5745088" y="3717032"/>
-            <a:ext cx="691277" cy="504056"/>
+            <a:off x="4409339" y="1817822"/>
+            <a:ext cx="570304" cy="415846"/>
           </a:xfrm>
           <a:prstGeom prst="rect">
             <a:avLst/>
@@ -11982,7 +12119,7 @@
           </a:fontRef>
         </p:style>
         <p:txBody>
-          <a:bodyPr vert="horz" wrap="square" lIns="90000" tIns="46800" rIns="90000" bIns="46800" numCol="1" rtlCol="0" anchor="ctr" anchorCtr="0" compatLnSpc="1">
+          <a:bodyPr vert="horz" wrap="square" lIns="36000" tIns="46800" rIns="36000" bIns="46800" numCol="1" rtlCol="0" anchor="ctr" anchorCtr="0" compatLnSpc="1">
             <a:prstTxWarp prst="textNoShape">
               <a:avLst/>
             </a:prstTxWarp>
@@ -11999,7 +12136,7 @@
               </a:spcAft>
             </a:pPr>
             <a:r>
-              <a:rPr lang="fi-FI" sz="800" kern="1200" dirty="0" err="1" smtClean="0">
+              <a:rPr lang="fi-FI" sz="700" kern="1200" dirty="0" err="1" smtClean="0">
                 <a:solidFill>
                   <a:prstClr val="black"/>
                 </a:solidFill>
@@ -12010,7 +12147,7 @@
               <a:t>double</a:t>
             </a:r>
             <a:r>
-              <a:rPr lang="fi-FI" sz="800" kern="1200" dirty="0" smtClean="0">
+              <a:rPr lang="fi-FI" sz="700" kern="1200" dirty="0" smtClean="0">
                 <a:solidFill>
                   <a:prstClr val="black"/>
                 </a:solidFill>
@@ -12021,7 +12158,7 @@
               <a:t> </a:t>
             </a:r>
             <a:r>
-              <a:rPr lang="fi-FI" sz="800" kern="1200" dirty="0" err="1" smtClean="0">
+              <a:rPr lang="fi-FI" sz="700" kern="1200" dirty="0" err="1" smtClean="0">
                 <a:solidFill>
                   <a:prstClr val="black"/>
                 </a:solidFill>
@@ -12032,7 +12169,7 @@
               <a:t>fifo</a:t>
             </a:r>
             <a:r>
-              <a:rPr lang="fi-FI" sz="800" kern="1200" dirty="0" smtClean="0">
+              <a:rPr lang="fi-FI" sz="700" kern="1200" dirty="0" smtClean="0">
                 <a:solidFill>
                   <a:prstClr val="black"/>
                 </a:solidFill>
@@ -12043,7 +12180,7 @@
               <a:t> </a:t>
             </a:r>
             <a:r>
-              <a:rPr lang="fi-FI" sz="800" kern="1200" dirty="0" err="1" smtClean="0">
+              <a:rPr lang="fi-FI" sz="700" kern="1200" dirty="0" err="1" smtClean="0">
                 <a:solidFill>
                   <a:prstClr val="black"/>
                 </a:solidFill>
@@ -12054,7 +12191,7 @@
               <a:t>demux</a:t>
             </a:r>
             <a:r>
-              <a:rPr lang="fi-FI" sz="800" kern="1200" dirty="0" smtClean="0">
+              <a:rPr lang="fi-FI" sz="700" kern="1200" dirty="0" smtClean="0">
                 <a:solidFill>
                   <a:prstClr val="black"/>
                 </a:solidFill>
@@ -12065,7 +12202,7 @@
               <a:t> </a:t>
             </a:r>
             <a:r>
-              <a:rPr lang="fi-FI" sz="800" kern="1200" dirty="0" err="1" smtClean="0">
+              <a:rPr lang="fi-FI" sz="700" kern="1200" dirty="0" err="1" smtClean="0">
                 <a:solidFill>
                   <a:prstClr val="black"/>
                 </a:solidFill>
@@ -12075,7 +12212,7 @@
               </a:rPr>
               <a:t>write</a:t>
             </a:r>
-            <a:endParaRPr lang="en-US" sz="800" kern="1200" dirty="0" smtClean="0">
+            <a:endParaRPr lang="en-US" sz="700" kern="1200" dirty="0" smtClean="0">
               <a:solidFill>
                 <a:prstClr val="black"/>
               </a:solidFill>
@@ -12094,8 +12231,8 @@
         </p:nvSpPr>
         <p:spPr bwMode="auto">
           <a:xfrm>
-            <a:off x="4664968" y="3132000"/>
-            <a:ext cx="691277" cy="360000"/>
+            <a:off x="3518240" y="1335171"/>
+            <a:ext cx="570304" cy="297000"/>
           </a:xfrm>
           <a:prstGeom prst="rect">
             <a:avLst/>
@@ -12120,7 +12257,7 @@
           </a:fontRef>
         </p:style>
         <p:txBody>
-          <a:bodyPr vert="horz" wrap="square" lIns="90000" tIns="46800" rIns="90000" bIns="46800" numCol="1" rtlCol="0" anchor="ctr" anchorCtr="0" compatLnSpc="1">
+          <a:bodyPr vert="horz" wrap="square" lIns="36000" tIns="46800" rIns="36000" bIns="46800" numCol="1" rtlCol="0" anchor="ctr" anchorCtr="0" compatLnSpc="1">
             <a:prstTxWarp prst="textNoShape">
               <a:avLst/>
             </a:prstTxWarp>
@@ -12137,7 +12274,7 @@
               </a:spcAft>
             </a:pPr>
             <a:r>
-              <a:rPr lang="fi-FI" sz="800" kern="1200" dirty="0" err="1" smtClean="0">
+              <a:rPr lang="fi-FI" sz="700" kern="1200" dirty="0" err="1" smtClean="0">
                 <a:solidFill>
                   <a:prstClr val="black"/>
                 </a:solidFill>
@@ -12147,7 +12284,7 @@
               </a:rPr>
               <a:t>transmitter</a:t>
             </a:r>
-            <a:endParaRPr lang="en-US" sz="800" kern="1200" dirty="0" smtClean="0">
+            <a:endParaRPr lang="en-US" sz="700" kern="1200" dirty="0" smtClean="0">
               <a:solidFill>
                 <a:prstClr val="black"/>
               </a:solidFill>
@@ -12166,8 +12303,8 @@
         </p:nvSpPr>
         <p:spPr bwMode="auto">
           <a:xfrm>
-            <a:off x="4664968" y="3789040"/>
-            <a:ext cx="691277" cy="360040"/>
+            <a:off x="3518240" y="1877228"/>
+            <a:ext cx="570304" cy="297033"/>
           </a:xfrm>
           <a:prstGeom prst="rect">
             <a:avLst/>
@@ -12192,7 +12329,7 @@
           </a:fontRef>
         </p:style>
         <p:txBody>
-          <a:bodyPr vert="horz" wrap="square" lIns="90000" tIns="46800" rIns="90000" bIns="46800" numCol="1" rtlCol="0" anchor="ctr" anchorCtr="0" compatLnSpc="1">
+          <a:bodyPr vert="horz" wrap="square" lIns="36000" tIns="46800" rIns="36000" bIns="46800" numCol="1" rtlCol="0" anchor="ctr" anchorCtr="0" compatLnSpc="1">
             <a:prstTxWarp prst="textNoShape">
               <a:avLst/>
             </a:prstTxWarp>
@@ -12206,7 +12343,7 @@
               </a:spcBef>
             </a:pPr>
             <a:r>
-              <a:rPr lang="fi-FI" sz="800" dirty="0" err="1" smtClean="0">
+              <a:rPr lang="fi-FI" sz="700" dirty="0" err="1" smtClean="0">
                 <a:solidFill>
                   <a:prstClr val="black"/>
                 </a:solidFill>
@@ -12214,7 +12351,7 @@
               </a:rPr>
               <a:t>receiver</a:t>
             </a:r>
-            <a:endParaRPr lang="en-US" sz="800" dirty="0" smtClean="0">
+            <a:endParaRPr lang="en-US" sz="700" dirty="0" smtClean="0">
               <a:solidFill>
                 <a:prstClr val="black"/>
               </a:solidFill>
@@ -12233,8 +12370,8 @@
         </p:nvCxnSpPr>
         <p:spPr bwMode="auto">
           <a:xfrm flipV="1">
-            <a:off x="4304928" y="3969060"/>
-            <a:ext cx="360040" cy="0"/>
+            <a:off x="3221207" y="2025745"/>
+            <a:ext cx="297033" cy="0"/>
           </a:xfrm>
           <a:prstGeom prst="line">
             <a:avLst/>
@@ -12265,8 +12402,8 @@
         </p:nvCxnSpPr>
         <p:spPr bwMode="auto">
           <a:xfrm flipH="1" flipV="1">
-            <a:off x="5356245" y="3312000"/>
-            <a:ext cx="374441" cy="1787"/>
+            <a:off x="4088544" y="1483671"/>
+            <a:ext cx="308914" cy="1474"/>
           </a:xfrm>
           <a:prstGeom prst="line">
             <a:avLst/>
@@ -12297,8 +12434,8 @@
         </p:nvCxnSpPr>
         <p:spPr bwMode="auto">
           <a:xfrm>
-            <a:off x="5356245" y="3969060"/>
-            <a:ext cx="388843" cy="0"/>
+            <a:off x="4088544" y="2025745"/>
+            <a:ext cx="320796" cy="0"/>
           </a:xfrm>
           <a:prstGeom prst="line">
             <a:avLst/>
@@ -12329,8 +12466,8 @@
         </p:nvCxnSpPr>
         <p:spPr bwMode="auto">
           <a:xfrm flipV="1">
-            <a:off x="5010607" y="3492000"/>
-            <a:ext cx="0" cy="297040"/>
+            <a:off x="3803392" y="1632171"/>
+            <a:ext cx="0" cy="245058"/>
           </a:xfrm>
           <a:prstGeom prst="line">
             <a:avLst/>
@@ -12360,8 +12497,8 @@
         </p:nvCxnSpPr>
         <p:spPr bwMode="auto">
           <a:xfrm flipH="1" flipV="1">
-            <a:off x="6421962" y="3313787"/>
-            <a:ext cx="360000" cy="0"/>
+            <a:off x="4967760" y="1485145"/>
+            <a:ext cx="297000" cy="0"/>
           </a:xfrm>
           <a:prstGeom prst="line">
             <a:avLst/>
@@ -12391,8 +12528,8 @@
         </p:nvCxnSpPr>
         <p:spPr bwMode="auto">
           <a:xfrm>
-            <a:off x="6436364" y="3969060"/>
-            <a:ext cx="360000" cy="0"/>
+            <a:off x="4979642" y="2025745"/>
+            <a:ext cx="297000" cy="0"/>
           </a:xfrm>
           <a:prstGeom prst="line">
             <a:avLst/>
@@ -12420,8 +12557,8 @@
         </p:nvSpPr>
         <p:spPr bwMode="auto">
           <a:xfrm>
-            <a:off x="5730686" y="3054558"/>
-            <a:ext cx="691277" cy="518458"/>
+            <a:off x="4397458" y="1271281"/>
+            <a:ext cx="570304" cy="427728"/>
           </a:xfrm>
           <a:prstGeom prst="rect">
             <a:avLst/>
@@ -12446,7 +12583,7 @@
           </a:fontRef>
         </p:style>
         <p:txBody>
-          <a:bodyPr vert="horz" wrap="square" lIns="90000" tIns="46800" rIns="90000" bIns="46800" numCol="1" rtlCol="0" anchor="ctr" anchorCtr="0" compatLnSpc="1">
+          <a:bodyPr vert="horz" wrap="square" lIns="36000" tIns="46800" rIns="36000" bIns="46800" numCol="1" rtlCol="0" anchor="ctr" anchorCtr="0" compatLnSpc="1">
             <a:prstTxWarp prst="textNoShape">
               <a:avLst/>
             </a:prstTxWarp>
@@ -12463,7 +12600,7 @@
               </a:spcAft>
             </a:pPr>
             <a:r>
-              <a:rPr lang="fi-FI" sz="800" kern="1200" dirty="0" err="1" smtClean="0">
+              <a:rPr lang="fi-FI" sz="700" kern="1200" dirty="0" err="1" smtClean="0">
                 <a:solidFill>
                   <a:prstClr val="black"/>
                 </a:solidFill>
@@ -12474,7 +12611,7 @@
               <a:t>double</a:t>
             </a:r>
             <a:r>
-              <a:rPr lang="fi-FI" sz="800" kern="1200" dirty="0" smtClean="0">
+              <a:rPr lang="fi-FI" sz="700" kern="1200" dirty="0" smtClean="0">
                 <a:solidFill>
                   <a:prstClr val="black"/>
                 </a:solidFill>
@@ -12485,7 +12622,7 @@
               <a:t> </a:t>
             </a:r>
             <a:r>
-              <a:rPr lang="fi-FI" sz="800" kern="1200" dirty="0" err="1" smtClean="0">
+              <a:rPr lang="fi-FI" sz="700" kern="1200" dirty="0" err="1" smtClean="0">
                 <a:solidFill>
                   <a:prstClr val="black"/>
                 </a:solidFill>
@@ -12496,7 +12633,7 @@
               <a:t>fifo</a:t>
             </a:r>
             <a:r>
-              <a:rPr lang="fi-FI" sz="800" kern="1200" dirty="0" smtClean="0">
+              <a:rPr lang="fi-FI" sz="700" kern="1200" dirty="0" smtClean="0">
                 <a:solidFill>
                   <a:prstClr val="black"/>
                 </a:solidFill>
@@ -12507,7 +12644,7 @@
               <a:t> </a:t>
             </a:r>
             <a:r>
-              <a:rPr lang="fi-FI" sz="800" kern="1200" dirty="0" err="1" smtClean="0">
+              <a:rPr lang="fi-FI" sz="700" kern="1200" dirty="0" err="1" smtClean="0">
                 <a:solidFill>
                   <a:prstClr val="black"/>
                 </a:solidFill>
@@ -12518,7 +12655,7 @@
               <a:t>demux</a:t>
             </a:r>
             <a:r>
-              <a:rPr lang="fi-FI" sz="800" kern="1200" dirty="0" smtClean="0">
+              <a:rPr lang="fi-FI" sz="700" kern="1200" dirty="0" smtClean="0">
                 <a:solidFill>
                   <a:prstClr val="black"/>
                 </a:solidFill>
@@ -12529,7 +12666,7 @@
               <a:t> </a:t>
             </a:r>
             <a:r>
-              <a:rPr lang="fi-FI" sz="800" kern="1200" dirty="0" err="1" smtClean="0">
+              <a:rPr lang="fi-FI" sz="700" kern="1200" dirty="0" err="1" smtClean="0">
                 <a:solidFill>
                   <a:prstClr val="black"/>
                 </a:solidFill>
@@ -12539,7 +12676,7 @@
               </a:rPr>
               <a:t>read</a:t>
             </a:r>
-            <a:endParaRPr lang="en-US" sz="800" kern="1200" dirty="0" smtClean="0">
+            <a:endParaRPr lang="en-US" sz="700" kern="1200" dirty="0" smtClean="0">
               <a:solidFill>
                 <a:prstClr val="black"/>
               </a:solidFill>
@@ -12558,8 +12695,8 @@
         </p:nvGrpSpPr>
         <p:grpSpPr>
           <a:xfrm>
-            <a:off x="7113240" y="3645024"/>
-            <a:ext cx="2520280" cy="1080120"/>
+            <a:off x="5538065" y="1758415"/>
+            <a:ext cx="2079231" cy="891099"/>
             <a:chOff x="7041232" y="3501008"/>
             <a:chExt cx="2520280" cy="1080120"/>
           </a:xfrm>
@@ -12639,8 +12776,8 @@
           </p:nvSpPr>
           <p:spPr bwMode="auto">
             <a:xfrm>
-              <a:off x="7833319" y="3560493"/>
-              <a:ext cx="1512167" cy="156539"/>
+              <a:off x="7230185" y="3560494"/>
+              <a:ext cx="2115302" cy="132536"/>
             </a:xfrm>
             <a:prstGeom prst="rect">
               <a:avLst/>
@@ -13018,8 +13155,8 @@
         </p:nvCxnSpPr>
         <p:spPr bwMode="auto">
           <a:xfrm>
-            <a:off x="1280592" y="2636912"/>
-            <a:ext cx="3168352" cy="72008"/>
+            <a:off x="726129" y="926723"/>
+            <a:ext cx="2613891" cy="59407"/>
           </a:xfrm>
           <a:prstGeom prst="straightConnector1">
             <a:avLst/>
@@ -13047,8 +13184,8 @@
         </p:nvCxnSpPr>
         <p:spPr bwMode="auto">
           <a:xfrm flipV="1">
-            <a:off x="1280592" y="4365104"/>
-            <a:ext cx="3168352" cy="72008"/>
+            <a:off x="726129" y="2352481"/>
+            <a:ext cx="2613891" cy="59407"/>
           </a:xfrm>
           <a:prstGeom prst="line">
             <a:avLst/>
@@ -13076,8 +13213,8 @@
         </p:nvGrpSpPr>
         <p:grpSpPr>
           <a:xfrm>
-            <a:off x="7113240" y="2060848"/>
-            <a:ext cx="2491437" cy="1080120"/>
+            <a:off x="5538065" y="451470"/>
+            <a:ext cx="2055436" cy="891099"/>
             <a:chOff x="7041232" y="2924944"/>
             <a:chExt cx="2491437" cy="1080120"/>
           </a:xfrm>
@@ -13692,8 +13829,8 @@
         </p:nvCxnSpPr>
         <p:spPr bwMode="auto">
           <a:xfrm flipV="1">
-            <a:off x="5745088" y="2060848"/>
-            <a:ext cx="1584176" cy="1008112"/>
+            <a:off x="4409339" y="451470"/>
+            <a:ext cx="1306945" cy="831692"/>
           </a:xfrm>
           <a:prstGeom prst="straightConnector1">
             <a:avLst/>
@@ -13721,8 +13858,8 @@
         </p:nvCxnSpPr>
         <p:spPr bwMode="auto">
           <a:xfrm flipV="1">
-            <a:off x="5745088" y="3140968"/>
-            <a:ext cx="1584176" cy="432048"/>
+            <a:off x="4409339" y="1342569"/>
+            <a:ext cx="1306945" cy="356440"/>
           </a:xfrm>
           <a:prstGeom prst="straightConnector1">
             <a:avLst/>
@@ -13750,8 +13887,8 @@
         </p:nvCxnSpPr>
         <p:spPr bwMode="auto">
           <a:xfrm flipV="1">
-            <a:off x="6393160" y="3140968"/>
-            <a:ext cx="3024336" cy="432048"/>
+            <a:off x="4943999" y="1342569"/>
+            <a:ext cx="2495078" cy="356440"/>
           </a:xfrm>
           <a:prstGeom prst="straightConnector1">
             <a:avLst/>
@@ -13779,8 +13916,8 @@
         </p:nvCxnSpPr>
         <p:spPr bwMode="auto">
           <a:xfrm flipV="1">
-            <a:off x="5745088" y="3645024"/>
-            <a:ext cx="1584176" cy="72008"/>
+            <a:off x="4409339" y="1758415"/>
+            <a:ext cx="1306945" cy="59407"/>
           </a:xfrm>
           <a:prstGeom prst="straightConnector1">
             <a:avLst/>
@@ -13808,8 +13945,8 @@
         </p:nvCxnSpPr>
         <p:spPr bwMode="auto">
           <a:xfrm>
-            <a:off x="5745088" y="4221088"/>
-            <a:ext cx="1584176" cy="504056"/>
+            <a:off x="4409339" y="2233668"/>
+            <a:ext cx="1306945" cy="415846"/>
           </a:xfrm>
           <a:prstGeom prst="straightConnector1">
             <a:avLst/>
@@ -15521,7 +15658,7 @@
       </p:graphicFrame>
       <p:graphicFrame>
         <p:nvGraphicFramePr>
-          <p:cNvPr id="9" name="Chart 8"/>
+          <p:cNvPr id="10" name="Chart 9"/>
           <p:cNvGraphicFramePr/>
           <p:nvPr/>
         </p:nvGraphicFramePr>

--- a/TUT/ip.hwp.communication/hibi/doc/Datasheet/hibi_v3_perf.pptx
+++ b/TUT/ip.hwp.communication/hibi/doc/Datasheet/hibi_v3_perf.pptx
@@ -10414,8 +10414,8 @@
         </p:nvSpPr>
         <p:spPr bwMode="auto">
           <a:xfrm>
-            <a:off x="3340020" y="986130"/>
-            <a:ext cx="1782197" cy="1366352"/>
+            <a:off x="3219524" y="986130"/>
+            <a:ext cx="1902693" cy="1366352"/>
           </a:xfrm>
           <a:prstGeom prst="rect">
             <a:avLst/>
@@ -10510,7 +10510,7 @@
         </p:nvCxnSpPr>
         <p:spPr bwMode="auto">
           <a:xfrm flipV="1">
-            <a:off x="5003405" y="1758415"/>
+            <a:off x="5003405" y="1758416"/>
             <a:ext cx="2435671" cy="59407"/>
           </a:xfrm>
           <a:prstGeom prst="straightConnector1">
@@ -10539,8 +10539,8 @@
         </p:nvGrpSpPr>
         <p:grpSpPr>
           <a:xfrm>
-            <a:off x="547910" y="332657"/>
-            <a:ext cx="1870675" cy="2376263"/>
+            <a:off x="421432" y="332657"/>
+            <a:ext cx="1997153" cy="2376263"/>
             <a:chOff x="3368824" y="1196752"/>
             <a:chExt cx="5688633" cy="4752528"/>
           </a:xfrm>
@@ -10727,8 +10727,8 @@
         </p:nvCxnSpPr>
         <p:spPr bwMode="auto">
           <a:xfrm flipH="1">
-            <a:off x="1306292" y="1091039"/>
-            <a:ext cx="303353" cy="0"/>
+            <a:off x="1306293" y="1091039"/>
+            <a:ext cx="262331" cy="0"/>
           </a:xfrm>
           <a:prstGeom prst="line">
             <a:avLst/>
@@ -10756,8 +10756,8 @@
         </p:nvSpPr>
         <p:spPr bwMode="auto">
           <a:xfrm>
-            <a:off x="699587" y="939363"/>
-            <a:ext cx="606706" cy="1466205"/>
+            <a:off x="658567" y="939363"/>
+            <a:ext cx="647726" cy="1466205"/>
           </a:xfrm>
           <a:prstGeom prst="rect">
             <a:avLst/>
@@ -10844,8 +10844,8 @@
         </p:nvSpPr>
         <p:spPr bwMode="auto">
           <a:xfrm>
-            <a:off x="1609644" y="939363"/>
-            <a:ext cx="606706" cy="303352"/>
+            <a:off x="1568624" y="939363"/>
+            <a:ext cx="647726" cy="303352"/>
           </a:xfrm>
           <a:prstGeom prst="rect">
             <a:avLst/>
@@ -10967,8 +10967,8 @@
         </p:nvSpPr>
         <p:spPr bwMode="auto">
           <a:xfrm>
-            <a:off x="1609644" y="1748303"/>
-            <a:ext cx="606706" cy="303352"/>
+            <a:off x="1568624" y="1748303"/>
+            <a:ext cx="647726" cy="303352"/>
           </a:xfrm>
           <a:prstGeom prst="rect">
             <a:avLst/>
@@ -11068,8 +11068,8 @@
         </p:nvSpPr>
         <p:spPr bwMode="auto">
           <a:xfrm>
-            <a:off x="1609644" y="1293274"/>
-            <a:ext cx="606706" cy="303352"/>
+            <a:off x="1568624" y="1293274"/>
+            <a:ext cx="647726" cy="303352"/>
           </a:xfrm>
           <a:prstGeom prst="rect">
             <a:avLst/>
@@ -11169,8 +11169,8 @@
         </p:nvSpPr>
         <p:spPr bwMode="auto">
           <a:xfrm>
-            <a:off x="1609644" y="2102214"/>
-            <a:ext cx="606706" cy="303352"/>
+            <a:off x="1568624" y="2102214"/>
+            <a:ext cx="647726" cy="303352"/>
           </a:xfrm>
           <a:prstGeom prst="rect">
             <a:avLst/>
@@ -11270,8 +11270,8 @@
         </p:nvSpPr>
         <p:spPr bwMode="auto">
           <a:xfrm>
-            <a:off x="1533806" y="2468766"/>
-            <a:ext cx="783661" cy="189596"/>
+            <a:off x="1480822" y="2468766"/>
+            <a:ext cx="836645" cy="189596"/>
           </a:xfrm>
           <a:prstGeom prst="rect">
             <a:avLst/>
@@ -11325,8 +11325,8 @@
         </p:nvSpPr>
         <p:spPr bwMode="auto">
           <a:xfrm>
-            <a:off x="1508527" y="1697744"/>
-            <a:ext cx="808941" cy="960617"/>
+            <a:off x="1453835" y="1697744"/>
+            <a:ext cx="863634" cy="960617"/>
           </a:xfrm>
           <a:prstGeom prst="rect">
             <a:avLst/>
@@ -11397,8 +11397,8 @@
         </p:nvSpPr>
         <p:spPr bwMode="auto">
           <a:xfrm>
-            <a:off x="1508527" y="686569"/>
-            <a:ext cx="808941" cy="960617"/>
+            <a:off x="1453835" y="686569"/>
+            <a:ext cx="863634" cy="960617"/>
           </a:xfrm>
           <a:prstGeom prst="rect">
             <a:avLst/>
@@ -11469,8 +11469,8 @@
         </p:nvSpPr>
         <p:spPr bwMode="auto">
           <a:xfrm>
-            <a:off x="1508527" y="686569"/>
-            <a:ext cx="808941" cy="240154"/>
+            <a:off x="1453835" y="686569"/>
+            <a:ext cx="863634" cy="240154"/>
           </a:xfrm>
           <a:prstGeom prst="rect">
             <a:avLst/>
@@ -11554,7 +11554,7 @@
         <p:spPr bwMode="auto">
           <a:xfrm>
             <a:off x="1306292" y="1444950"/>
-            <a:ext cx="303353" cy="0"/>
+            <a:ext cx="262332" cy="0"/>
           </a:xfrm>
           <a:prstGeom prst="line">
             <a:avLst/>
@@ -11646,8 +11646,8 @@
         </p:nvCxnSpPr>
         <p:spPr bwMode="auto">
           <a:xfrm flipH="1">
-            <a:off x="1306292" y="1899980"/>
-            <a:ext cx="303353" cy="0"/>
+            <a:off x="1306293" y="1899979"/>
+            <a:ext cx="262331" cy="1"/>
           </a:xfrm>
           <a:prstGeom prst="line">
             <a:avLst/>
@@ -11676,9 +11676,9 @@
           <p:nvPr/>
         </p:nvCxnSpPr>
         <p:spPr bwMode="auto">
-          <a:xfrm flipH="1">
-            <a:off x="2216350" y="1899980"/>
-            <a:ext cx="404470" cy="0"/>
+          <a:xfrm flipH="1" flipV="1">
+            <a:off x="2216350" y="1899979"/>
+            <a:ext cx="404470" cy="1"/>
           </a:xfrm>
           <a:prstGeom prst="line">
             <a:avLst/>
@@ -11707,9 +11707,9 @@
           <p:nvPr/>
         </p:nvCxnSpPr>
         <p:spPr bwMode="auto">
-          <a:xfrm>
-            <a:off x="1306292" y="2253891"/>
-            <a:ext cx="303353" cy="0"/>
+          <a:xfrm flipV="1">
+            <a:off x="1306292" y="2253890"/>
+            <a:ext cx="262332" cy="1"/>
           </a:xfrm>
           <a:prstGeom prst="line">
             <a:avLst/>
@@ -11739,8 +11739,8 @@
         </p:nvCxnSpPr>
         <p:spPr bwMode="auto">
           <a:xfrm>
-            <a:off x="2216350" y="2253891"/>
-            <a:ext cx="404470" cy="0"/>
+            <a:off x="2216350" y="2253890"/>
+            <a:ext cx="404470" cy="1"/>
           </a:xfrm>
           <a:prstGeom prst="line">
             <a:avLst/>
@@ -11767,9 +11767,9 @@
           <p:nvPr/>
         </p:nvCxnSpPr>
         <p:spPr bwMode="auto">
-          <a:xfrm flipH="1">
-            <a:off x="345675" y="1192157"/>
-            <a:ext cx="353912" cy="0"/>
+          <a:xfrm>
+            <a:off x="321747" y="1192157"/>
+            <a:ext cx="23928" cy="0"/>
           </a:xfrm>
           <a:prstGeom prst="line">
             <a:avLst/>
@@ -11797,8 +11797,8 @@
         </p:nvCxnSpPr>
         <p:spPr bwMode="auto">
           <a:xfrm>
-            <a:off x="345675" y="1950538"/>
-            <a:ext cx="353912" cy="0"/>
+            <a:off x="321747" y="1950538"/>
+            <a:ext cx="377840" cy="0"/>
           </a:xfrm>
           <a:prstGeom prst="line">
             <a:avLst/>
@@ -11826,8 +11826,8 @@
         </p:nvSpPr>
         <p:spPr bwMode="auto">
           <a:xfrm rot="16200000">
-            <a:off x="-513825" y="1546068"/>
-            <a:ext cx="1466205" cy="252794"/>
+            <a:off x="-522371" y="1537522"/>
+            <a:ext cx="1466205" cy="269886"/>
           </a:xfrm>
           <a:prstGeom prst="rect">
             <a:avLst/>
@@ -11907,8 +11907,8 @@
         </p:nvSpPr>
         <p:spPr bwMode="auto">
           <a:xfrm rot="16200000">
-            <a:off x="2014115" y="1546068"/>
-            <a:ext cx="1466205" cy="252794"/>
+            <a:off x="2005569" y="1537522"/>
+            <a:ext cx="1466205" cy="269886"/>
           </a:xfrm>
           <a:prstGeom prst="rect">
             <a:avLst/>
@@ -11988,8 +11988,8 @@
         </p:nvSpPr>
         <p:spPr bwMode="auto">
           <a:xfrm>
-            <a:off x="3399427" y="1009376"/>
-            <a:ext cx="1632834" cy="154974"/>
+            <a:off x="3289029" y="1009376"/>
+            <a:ext cx="1743232" cy="154974"/>
           </a:xfrm>
           <a:prstGeom prst="rect">
             <a:avLst/>
@@ -12064,8 +12064,8 @@
         </p:nvCxnSpPr>
         <p:spPr bwMode="auto">
           <a:xfrm flipH="1">
-            <a:off x="3221207" y="1483671"/>
-            <a:ext cx="297033" cy="0"/>
+            <a:off x="3221208" y="1483671"/>
+            <a:ext cx="258473" cy="0"/>
           </a:xfrm>
           <a:prstGeom prst="line">
             <a:avLst/>
@@ -12093,8 +12093,8 @@
         </p:nvSpPr>
         <p:spPr bwMode="auto">
           <a:xfrm>
-            <a:off x="4409339" y="1817822"/>
-            <a:ext cx="570304" cy="415846"/>
+            <a:off x="4370780" y="1817822"/>
+            <a:ext cx="608863" cy="415846"/>
           </a:xfrm>
           <a:prstGeom prst="rect">
             <a:avLst/>
@@ -12231,8 +12231,8 @@
         </p:nvSpPr>
         <p:spPr bwMode="auto">
           <a:xfrm>
-            <a:off x="3518240" y="1335171"/>
-            <a:ext cx="570304" cy="297000"/>
+            <a:off x="3479681" y="1335171"/>
+            <a:ext cx="608863" cy="297000"/>
           </a:xfrm>
           <a:prstGeom prst="rect">
             <a:avLst/>
@@ -12303,8 +12303,8 @@
         </p:nvSpPr>
         <p:spPr bwMode="auto">
           <a:xfrm>
-            <a:off x="3518240" y="1877228"/>
-            <a:ext cx="570304" cy="297033"/>
+            <a:off x="3479681" y="1877228"/>
+            <a:ext cx="608863" cy="297033"/>
           </a:xfrm>
           <a:prstGeom prst="rect">
             <a:avLst/>
@@ -12369,9 +12369,9 @@
           <p:nvPr/>
         </p:nvCxnSpPr>
         <p:spPr bwMode="auto">
-          <a:xfrm flipV="1">
+          <a:xfrm>
             <a:off x="3221207" y="2025745"/>
-            <a:ext cx="297033" cy="0"/>
+            <a:ext cx="258474" cy="0"/>
           </a:xfrm>
           <a:prstGeom prst="line">
             <a:avLst/>
@@ -12403,7 +12403,7 @@
         <p:spPr bwMode="auto">
           <a:xfrm flipH="1" flipV="1">
             <a:off x="4088544" y="1483671"/>
-            <a:ext cx="308914" cy="1474"/>
+            <a:ext cx="270355" cy="1474"/>
           </a:xfrm>
           <a:prstGeom prst="line">
             <a:avLst/>
@@ -12435,7 +12435,7 @@
         <p:spPr bwMode="auto">
           <a:xfrm>
             <a:off x="4088544" y="2025745"/>
-            <a:ext cx="320796" cy="0"/>
+            <a:ext cx="282236" cy="0"/>
           </a:xfrm>
           <a:prstGeom prst="line">
             <a:avLst/>
@@ -12466,8 +12466,8 @@
         </p:nvCxnSpPr>
         <p:spPr bwMode="auto">
           <a:xfrm flipV="1">
-            <a:off x="3803392" y="1632171"/>
-            <a:ext cx="0" cy="245058"/>
+            <a:off x="3784113" y="1632171"/>
+            <a:ext cx="0" cy="245057"/>
           </a:xfrm>
           <a:prstGeom prst="line">
             <a:avLst/>
@@ -12496,9 +12496,9 @@
           <p:nvPr/>
         </p:nvCxnSpPr>
         <p:spPr bwMode="auto">
-          <a:xfrm flipH="1" flipV="1">
-            <a:off x="4967760" y="1485145"/>
-            <a:ext cx="297000" cy="0"/>
+          <a:xfrm flipH="1">
+            <a:off x="4967762" y="1485145"/>
+            <a:ext cx="296998" cy="0"/>
           </a:xfrm>
           <a:prstGeom prst="line">
             <a:avLst/>
@@ -12528,8 +12528,8 @@
         </p:nvCxnSpPr>
         <p:spPr bwMode="auto">
           <a:xfrm>
-            <a:off x="4979642" y="2025745"/>
-            <a:ext cx="297000" cy="0"/>
+            <a:off x="4979643" y="2025745"/>
+            <a:ext cx="296999" cy="0"/>
           </a:xfrm>
           <a:prstGeom prst="line">
             <a:avLst/>
@@ -12557,8 +12557,8 @@
         </p:nvSpPr>
         <p:spPr bwMode="auto">
           <a:xfrm>
-            <a:off x="4397458" y="1271281"/>
-            <a:ext cx="570304" cy="427728"/>
+            <a:off x="4358899" y="1271281"/>
+            <a:ext cx="608863" cy="427728"/>
           </a:xfrm>
           <a:prstGeom prst="rect">
             <a:avLst/>
@@ -12695,8 +12695,8 @@
         </p:nvGrpSpPr>
         <p:grpSpPr>
           <a:xfrm>
-            <a:off x="5538065" y="1758415"/>
-            <a:ext cx="2079231" cy="891099"/>
+            <a:off x="5397487" y="1758415"/>
+            <a:ext cx="2219810" cy="891099"/>
             <a:chOff x="7041232" y="3501008"/>
             <a:chExt cx="2520280" cy="1080120"/>
           </a:xfrm>
@@ -13184,7 +13184,7 @@
         </p:nvCxnSpPr>
         <p:spPr bwMode="auto">
           <a:xfrm flipV="1">
-            <a:off x="726129" y="2352481"/>
+            <a:off x="726129" y="2352482"/>
             <a:ext cx="2613891" cy="59407"/>
           </a:xfrm>
           <a:prstGeom prst="line">
@@ -13213,8 +13213,8 @@
         </p:nvGrpSpPr>
         <p:grpSpPr>
           <a:xfrm>
-            <a:off x="5538065" y="451470"/>
-            <a:ext cx="2055436" cy="891099"/>
+            <a:off x="5399095" y="451470"/>
+            <a:ext cx="2194406" cy="891099"/>
             <a:chOff x="7041232" y="2924944"/>
             <a:chExt cx="2491437" cy="1080120"/>
           </a:xfrm>
@@ -13916,7 +13916,7 @@
         </p:nvCxnSpPr>
         <p:spPr bwMode="auto">
           <a:xfrm flipV="1">
-            <a:off x="4409339" y="1758415"/>
+            <a:off x="4409339" y="1758416"/>
             <a:ext cx="1306945" cy="59407"/>
           </a:xfrm>
           <a:prstGeom prst="straightConnector1">
@@ -14424,6 +14424,39 @@
           </a:p>
         </p:txBody>
       </p:sp>
+      <p:pic>
+        <p:nvPicPr>
+          <p:cNvPr id="1026" name="Picture 2"/>
+          <p:cNvPicPr>
+            <a:picLocks noChangeAspect="1" noChangeArrowheads="1"/>
+          </p:cNvPicPr>
+          <p:nvPr/>
+        </p:nvPicPr>
+        <p:blipFill>
+          <a:blip r:embed="rId2" cstate="print"/>
+          <a:srcRect/>
+          <a:stretch>
+            <a:fillRect/>
+          </a:stretch>
+        </p:blipFill>
+        <p:spPr bwMode="auto">
+          <a:xfrm>
+            <a:off x="1568624" y="2348880"/>
+            <a:ext cx="2506867" cy="3406899"/>
+          </a:xfrm>
+          <a:prstGeom prst="rect">
+            <a:avLst/>
+          </a:prstGeom>
+          <a:noFill/>
+          <a:ln w="9525">
+            <a:noFill/>
+            <a:miter lim="800000"/>
+            <a:headEnd/>
+            <a:tailEnd/>
+          </a:ln>
+          <a:effectLst/>
+        </p:spPr>
+      </p:pic>
     </p:spTree>
   </p:cSld>
   <p:clrMapOvr>
